--- a/State.pptx
+++ b/State.pptx
@@ -8,30 +8,31 @@
     <p:sldId id="256" r:id="rId2"/>
     <p:sldId id="257" r:id="rId3"/>
     <p:sldId id="258" r:id="rId4"/>
-    <p:sldId id="262" r:id="rId5"/>
-    <p:sldId id="261" r:id="rId6"/>
-    <p:sldId id="260" r:id="rId7"/>
+    <p:sldId id="263" r:id="rId5"/>
+    <p:sldId id="262" r:id="rId6"/>
+    <p:sldId id="264" r:id="rId7"/>
+    <p:sldId id="260" r:id="rId8"/>
   </p:sldIdLst>
   <p:sldSz cx="18288000" cy="10287000"/>
   <p:notesSz cx="6858000" cy="9144000"/>
   <p:embeddedFontLst>
     <p:embeddedFont>
       <p:font typeface="Bluetea" pitchFamily="50" charset="0"/>
-      <p:regular r:id="rId8"/>
+      <p:regular r:id="rId9"/>
     </p:embeddedFont>
     <p:embeddedFont>
       <p:font typeface="Calibri" panose="020F0502020204030204" pitchFamily="34" charset="0"/>
-      <p:regular r:id="rId9"/>
-      <p:bold r:id="rId10"/>
-      <p:italic r:id="rId11"/>
-      <p:boldItalic r:id="rId12"/>
+      <p:regular r:id="rId10"/>
+      <p:bold r:id="rId11"/>
+      <p:italic r:id="rId12"/>
+      <p:boldItalic r:id="rId13"/>
     </p:embeddedFont>
     <p:embeddedFont>
       <p:font typeface="PT Sans" panose="020B0503020203020204" pitchFamily="34" charset="0"/>
-      <p:regular r:id="rId13"/>
-      <p:bold r:id="rId14"/>
-      <p:italic r:id="rId15"/>
-      <p:boldItalic r:id="rId16"/>
+      <p:regular r:id="rId14"/>
+      <p:bold r:id="rId15"/>
+      <p:italic r:id="rId16"/>
+      <p:boldItalic r:id="rId17"/>
     </p:embeddedFont>
   </p:embeddedFontLst>
   <p:defaultTextStyle>
@@ -328,7 +329,7 @@
             <a:fld id="{1D8BD707-D9CF-40AE-B4C6-C98DA3205C09}" type="datetimeFigureOut">
               <a:rPr lang="en-US" smtClean="0"/>
               <a:pPr/>
-              <a:t>12/28/2023</a:t>
+              <a:t>1/1/2024</a:t>
             </a:fld>
             <a:endParaRPr lang="en-US"/>
           </a:p>
@@ -493,7 +494,7 @@
             <a:fld id="{1D8BD707-D9CF-40AE-B4C6-C98DA3205C09}" type="datetimeFigureOut">
               <a:rPr lang="en-US" smtClean="0"/>
               <a:pPr/>
-              <a:t>12/28/2023</a:t>
+              <a:t>1/1/2024</a:t>
             </a:fld>
             <a:endParaRPr lang="en-US"/>
           </a:p>
@@ -668,7 +669,7 @@
             <a:fld id="{1D8BD707-D9CF-40AE-B4C6-C98DA3205C09}" type="datetimeFigureOut">
               <a:rPr lang="en-US" smtClean="0"/>
               <a:pPr/>
-              <a:t>12/28/2023</a:t>
+              <a:t>1/1/2024</a:t>
             </a:fld>
             <a:endParaRPr lang="en-US"/>
           </a:p>
@@ -833,7 +834,7 @@
             <a:fld id="{1D8BD707-D9CF-40AE-B4C6-C98DA3205C09}" type="datetimeFigureOut">
               <a:rPr lang="en-US" smtClean="0"/>
               <a:pPr/>
-              <a:t>12/28/2023</a:t>
+              <a:t>1/1/2024</a:t>
             </a:fld>
             <a:endParaRPr lang="en-US"/>
           </a:p>
@@ -1075,7 +1076,7 @@
             <a:fld id="{1D8BD707-D9CF-40AE-B4C6-C98DA3205C09}" type="datetimeFigureOut">
               <a:rPr lang="en-US" smtClean="0"/>
               <a:pPr/>
-              <a:t>12/28/2023</a:t>
+              <a:t>1/1/2024</a:t>
             </a:fld>
             <a:endParaRPr lang="en-US"/>
           </a:p>
@@ -1357,7 +1358,7 @@
             <a:fld id="{1D8BD707-D9CF-40AE-B4C6-C98DA3205C09}" type="datetimeFigureOut">
               <a:rPr lang="en-US" smtClean="0"/>
               <a:pPr/>
-              <a:t>12/28/2023</a:t>
+              <a:t>1/1/2024</a:t>
             </a:fld>
             <a:endParaRPr lang="en-US"/>
           </a:p>
@@ -1773,7 +1774,7 @@
             <a:fld id="{1D8BD707-D9CF-40AE-B4C6-C98DA3205C09}" type="datetimeFigureOut">
               <a:rPr lang="en-US" smtClean="0"/>
               <a:pPr/>
-              <a:t>12/28/2023</a:t>
+              <a:t>1/1/2024</a:t>
             </a:fld>
             <a:endParaRPr lang="en-US"/>
           </a:p>
@@ -1887,7 +1888,7 @@
             <a:fld id="{1D8BD707-D9CF-40AE-B4C6-C98DA3205C09}" type="datetimeFigureOut">
               <a:rPr lang="en-US" smtClean="0"/>
               <a:pPr/>
-              <a:t>12/28/2023</a:t>
+              <a:t>1/1/2024</a:t>
             </a:fld>
             <a:endParaRPr lang="en-US"/>
           </a:p>
@@ -1979,7 +1980,7 @@
             <a:fld id="{1D8BD707-D9CF-40AE-B4C6-C98DA3205C09}" type="datetimeFigureOut">
               <a:rPr lang="en-US" smtClean="0"/>
               <a:pPr/>
-              <a:t>12/28/2023</a:t>
+              <a:t>1/1/2024</a:t>
             </a:fld>
             <a:endParaRPr lang="en-US"/>
           </a:p>
@@ -2251,7 +2252,7 @@
             <a:fld id="{1D8BD707-D9CF-40AE-B4C6-C98DA3205C09}" type="datetimeFigureOut">
               <a:rPr lang="en-US" smtClean="0"/>
               <a:pPr/>
-              <a:t>12/28/2023</a:t>
+              <a:t>1/1/2024</a:t>
             </a:fld>
             <a:endParaRPr lang="en-US"/>
           </a:p>
@@ -2500,7 +2501,7 @@
             <a:fld id="{1D8BD707-D9CF-40AE-B4C6-C98DA3205C09}" type="datetimeFigureOut">
               <a:rPr lang="en-US" smtClean="0"/>
               <a:pPr/>
-              <a:t>12/28/2023</a:t>
+              <a:t>1/1/2024</a:t>
             </a:fld>
             <a:endParaRPr lang="en-US"/>
           </a:p>
@@ -2708,7 +2709,7 @@
             <a:fld id="{1D8BD707-D9CF-40AE-B4C6-C98DA3205C09}" type="datetimeFigureOut">
               <a:rPr lang="en-US" smtClean="0"/>
               <a:pPr/>
-              <a:t>12/28/2023</a:t>
+              <a:t>1/1/2024</a:t>
             </a:fld>
             <a:endParaRPr lang="en-US"/>
           </a:p>
@@ -3877,274 +3878,84 @@
           </a:lstStyle>
           <a:p>
             <a:r>
-              <a:rPr lang="en-US" sz="3200" b="1" dirty="0">
+              <a:rPr lang="en-US" sz="3200" b="1" i="0" dirty="0">
+                <a:solidFill>
+                  <a:srgbClr val="444444"/>
+                </a:solidFill>
                 <a:effectLst/>
+                <a:latin typeface="PT Sans" panose="020B0503020203020204" pitchFamily="34" charset="0"/>
               </a:rPr>
               <a:t>State</a:t>
             </a:r>
             <a:r>
-              <a:rPr lang="en-US" sz="3200" b="1" dirty="0">
-                <a:solidFill>
-                  <a:schemeClr val="tx1">
-                    <a:lumMod val="65000"/>
-                    <a:lumOff val="35000"/>
-                  </a:schemeClr>
+              <a:rPr lang="en-US" sz="3200" b="0" i="0" dirty="0">
+                <a:solidFill>
+                  <a:srgbClr val="444444"/>
                 </a:solidFill>
                 <a:effectLst/>
+                <a:latin typeface="PT Sans" panose="020B0503020203020204" pitchFamily="34" charset="0"/>
+              </a:rPr>
+              <a:t> is a </a:t>
+            </a:r>
+            <a:r>
+              <a:rPr lang="en-US" sz="3200" b="1" i="0" dirty="0">
+                <a:solidFill>
+                  <a:srgbClr val="444444"/>
+                </a:solidFill>
+                <a:effectLst/>
+                <a:latin typeface="PT Sans" panose="020B0503020203020204" pitchFamily="34" charset="0"/>
+              </a:rPr>
+              <a:t>behavioral</a:t>
+            </a:r>
+            <a:r>
+              <a:rPr lang="en-US" sz="3200" b="0" i="0" dirty="0">
+                <a:solidFill>
+                  <a:srgbClr val="444444"/>
+                </a:solidFill>
+                <a:effectLst/>
+                <a:latin typeface="PT Sans" panose="020B0503020203020204" pitchFamily="34" charset="0"/>
               </a:rPr>
               <a:t> </a:t>
             </a:r>
             <a:r>
-              <a:rPr lang="en-US" sz="3200" dirty="0">
-                <a:solidFill>
-                  <a:schemeClr val="tx1">
-                    <a:lumMod val="65000"/>
-                    <a:lumOff val="35000"/>
-                  </a:schemeClr>
+              <a:rPr lang="en-US" sz="3200" b="1" i="0" dirty="0">
+                <a:solidFill>
+                  <a:srgbClr val="444444"/>
                 </a:solidFill>
                 <a:effectLst/>
+                <a:latin typeface="PT Sans" panose="020B0503020203020204" pitchFamily="34" charset="0"/>
               </a:rPr>
-              <a:t>Design Pattern </a:t>
-            </a:r>
-            <a:r>
-              <a:rPr lang="en-US" sz="3200" dirty="0" err="1">
-                <a:solidFill>
-                  <a:schemeClr val="tx1">
-                    <a:lumMod val="65000"/>
-                    <a:lumOff val="35000"/>
-                  </a:schemeClr>
+              <a:t>design</a:t>
+            </a:r>
+            <a:r>
+              <a:rPr lang="en-US" sz="3200" b="0" i="0" dirty="0">
+                <a:solidFill>
+                  <a:srgbClr val="444444"/>
                 </a:solidFill>
                 <a:effectLst/>
-              </a:rPr>
-              <a:t>adalah</a:t>
-            </a:r>
-            <a:r>
-              <a:rPr lang="en-US" sz="3200" dirty="0">
-                <a:solidFill>
-                  <a:schemeClr val="tx1">
-                    <a:lumMod val="65000"/>
-                    <a:lumOff val="35000"/>
-                  </a:schemeClr>
-                </a:solidFill>
-                <a:effectLst/>
-              </a:rPr>
-              <a:t> Design Pattern yang </a:t>
-            </a:r>
-            <a:r>
-              <a:rPr lang="en-US" sz="3200" dirty="0" err="1">
-                <a:solidFill>
-                  <a:schemeClr val="tx1">
-                    <a:lumMod val="65000"/>
-                    <a:lumOff val="35000"/>
-                  </a:schemeClr>
-                </a:solidFill>
-                <a:effectLst/>
-              </a:rPr>
-              <a:t>termasuk</a:t>
-            </a:r>
-            <a:r>
-              <a:rPr lang="en-US" sz="3200" dirty="0">
-                <a:solidFill>
-                  <a:schemeClr val="tx1">
-                    <a:lumMod val="65000"/>
-                    <a:lumOff val="35000"/>
-                  </a:schemeClr>
-                </a:solidFill>
-                <a:effectLst/>
+                <a:latin typeface="PT Sans" panose="020B0503020203020204" pitchFamily="34" charset="0"/>
               </a:rPr>
               <a:t> </a:t>
             </a:r>
             <a:r>
-              <a:rPr lang="en-US" sz="3200" dirty="0" err="1">
-                <a:solidFill>
-                  <a:schemeClr val="tx1">
-                    <a:lumMod val="65000"/>
-                    <a:lumOff val="35000"/>
-                  </a:schemeClr>
+              <a:rPr lang="en-US" sz="3200" b="1" i="0" dirty="0">
+                <a:solidFill>
+                  <a:srgbClr val="444444"/>
                 </a:solidFill>
                 <a:effectLst/>
+                <a:latin typeface="PT Sans" panose="020B0503020203020204" pitchFamily="34" charset="0"/>
               </a:rPr>
-              <a:t>ke</a:t>
-            </a:r>
-            <a:r>
-              <a:rPr lang="en-US" sz="3200" dirty="0">
-                <a:solidFill>
-                  <a:schemeClr val="tx1">
-                    <a:lumMod val="65000"/>
-                    <a:lumOff val="35000"/>
-                  </a:schemeClr>
+              <a:t>pattern</a:t>
+            </a:r>
+            <a:r>
+              <a:rPr lang="en-US" sz="3200" b="0" i="0" dirty="0">
+                <a:solidFill>
+                  <a:srgbClr val="444444"/>
                 </a:solidFill>
                 <a:effectLst/>
+                <a:latin typeface="PT Sans" panose="020B0503020203020204" pitchFamily="34" charset="0"/>
               </a:rPr>
-              <a:t> </a:t>
-            </a:r>
-            <a:r>
-              <a:rPr lang="en-US" sz="3200" dirty="0" err="1">
-                <a:solidFill>
-                  <a:schemeClr val="tx1">
-                    <a:lumMod val="65000"/>
-                    <a:lumOff val="35000"/>
-                  </a:schemeClr>
-                </a:solidFill>
-                <a:effectLst/>
-              </a:rPr>
-              <a:t>dalam</a:t>
-            </a:r>
-            <a:r>
-              <a:rPr lang="en-US" sz="3200" dirty="0">
-                <a:solidFill>
-                  <a:schemeClr val="tx1">
-                    <a:lumMod val="65000"/>
-                    <a:lumOff val="35000"/>
-                  </a:schemeClr>
-                </a:solidFill>
-                <a:effectLst/>
-              </a:rPr>
-              <a:t> behavioral pattern yang </a:t>
-            </a:r>
-            <a:r>
-              <a:rPr lang="en-US" sz="3200" dirty="0" err="1">
-                <a:solidFill>
-                  <a:schemeClr val="tx1">
-                    <a:lumMod val="65000"/>
-                    <a:lumOff val="35000"/>
-                  </a:schemeClr>
-                </a:solidFill>
-                <a:effectLst/>
-              </a:rPr>
-              <a:t>dapat</a:t>
-            </a:r>
-            <a:r>
-              <a:rPr lang="en-US" sz="3200" dirty="0">
-                <a:solidFill>
-                  <a:schemeClr val="tx1">
-                    <a:lumMod val="65000"/>
-                    <a:lumOff val="35000"/>
-                  </a:schemeClr>
-                </a:solidFill>
-                <a:effectLst/>
-              </a:rPr>
-              <a:t> </a:t>
-            </a:r>
-            <a:r>
-              <a:rPr lang="en-US" sz="3200" dirty="0" err="1">
-                <a:solidFill>
-                  <a:schemeClr val="tx1">
-                    <a:lumMod val="65000"/>
-                    <a:lumOff val="35000"/>
-                  </a:schemeClr>
-                </a:solidFill>
-                <a:effectLst/>
-              </a:rPr>
-              <a:t>mengubah</a:t>
-            </a:r>
-            <a:r>
-              <a:rPr lang="en-US" sz="3200" dirty="0">
-                <a:solidFill>
-                  <a:schemeClr val="tx1">
-                    <a:lumMod val="65000"/>
-                    <a:lumOff val="35000"/>
-                  </a:schemeClr>
-                </a:solidFill>
-                <a:effectLst/>
-              </a:rPr>
-              <a:t> </a:t>
-            </a:r>
-            <a:r>
-              <a:rPr lang="en-US" sz="3200" dirty="0" err="1">
-                <a:solidFill>
-                  <a:schemeClr val="tx1">
-                    <a:lumMod val="65000"/>
-                    <a:lumOff val="35000"/>
-                  </a:schemeClr>
-                </a:solidFill>
-                <a:effectLst/>
-              </a:rPr>
-              <a:t>behaviornya</a:t>
-            </a:r>
-            <a:r>
-              <a:rPr lang="en-US" sz="3200" dirty="0">
-                <a:solidFill>
-                  <a:schemeClr val="tx1">
-                    <a:lumMod val="65000"/>
-                    <a:lumOff val="35000"/>
-                  </a:schemeClr>
-                </a:solidFill>
-                <a:effectLst/>
-              </a:rPr>
-              <a:t> </a:t>
-            </a:r>
-            <a:r>
-              <a:rPr lang="en-US" sz="3200" dirty="0" err="1">
-                <a:solidFill>
-                  <a:schemeClr val="tx1">
-                    <a:lumMod val="65000"/>
-                    <a:lumOff val="35000"/>
-                  </a:schemeClr>
-                </a:solidFill>
-                <a:effectLst/>
-              </a:rPr>
-              <a:t>ketika</a:t>
-            </a:r>
-            <a:r>
-              <a:rPr lang="en-US" sz="3200" dirty="0">
-                <a:solidFill>
-                  <a:schemeClr val="tx1">
-                    <a:lumMod val="65000"/>
-                    <a:lumOff val="35000"/>
-                  </a:schemeClr>
-                </a:solidFill>
-                <a:effectLst/>
-              </a:rPr>
-              <a:t> internal state-</a:t>
-            </a:r>
-            <a:r>
-              <a:rPr lang="en-US" sz="3200" dirty="0" err="1">
-                <a:solidFill>
-                  <a:schemeClr val="tx1">
-                    <a:lumMod val="65000"/>
-                    <a:lumOff val="35000"/>
-                  </a:schemeClr>
-                </a:solidFill>
-                <a:effectLst/>
-              </a:rPr>
-              <a:t>nya</a:t>
-            </a:r>
-            <a:r>
-              <a:rPr lang="en-US" sz="3200" dirty="0">
-                <a:solidFill>
-                  <a:schemeClr val="tx1">
-                    <a:lumMod val="65000"/>
-                    <a:lumOff val="35000"/>
-                  </a:schemeClr>
-                </a:solidFill>
-                <a:effectLst/>
-              </a:rPr>
-              <a:t> </a:t>
-            </a:r>
-            <a:r>
-              <a:rPr lang="en-US" sz="3200" dirty="0" err="1">
-                <a:solidFill>
-                  <a:schemeClr val="tx1">
-                    <a:lumMod val="65000"/>
-                    <a:lumOff val="35000"/>
-                  </a:schemeClr>
-                </a:solidFill>
-                <a:effectLst/>
-              </a:rPr>
-              <a:t>berubah</a:t>
-            </a:r>
-            <a:r>
-              <a:rPr lang="en-US" sz="3200" dirty="0">
-                <a:solidFill>
-                  <a:schemeClr val="tx1">
-                    <a:lumMod val="65000"/>
-                    <a:lumOff val="35000"/>
-                  </a:schemeClr>
-                </a:solidFill>
-                <a:effectLst/>
-              </a:rPr>
-              <a:t>.</a:t>
+              <a:t> that lets an object alter its behavior when its internal state changes. It appears as if the object changed its class.</a:t>
             </a:r>
             <a:endParaRPr lang="en-US" sz="3200" dirty="0">
               <a:solidFill>
@@ -4526,8 +4337,8 @@
         </p:nvSpPr>
         <p:spPr>
           <a:xfrm>
-            <a:off x="1143000" y="800523"/>
-            <a:ext cx="9993084" cy="954107"/>
+            <a:off x="1143000" y="384949"/>
+            <a:ext cx="9993084" cy="769441"/>
           </a:xfrm>
           <a:prstGeom prst="rect">
             <a:avLst/>
@@ -4542,7 +4353,7 @@
           <a:p>
             <a:pPr algn="l"/>
             <a:r>
-              <a:rPr lang="en-US" sz="5400" b="1" i="0" dirty="0">
+              <a:rPr lang="en-US" sz="4400" b="1" i="0" dirty="0">
                 <a:solidFill>
                   <a:srgbClr val="444444"/>
                 </a:solidFill>
@@ -4568,8 +4379,8 @@
         </p:nvSpPr>
         <p:spPr>
           <a:xfrm>
-            <a:off x="1143000" y="1750595"/>
-            <a:ext cx="12725400" cy="5509200"/>
+            <a:off x="1142999" y="1034215"/>
+            <a:ext cx="12997761" cy="1200329"/>
           </a:xfrm>
           <a:prstGeom prst="rect">
             <a:avLst/>
@@ -4583,7 +4394,110 @@
           <a:lstStyle/>
           <a:p>
             <a:r>
-              <a:rPr lang="en-US" sz="3200" dirty="0">
+              <a:rPr lang="en-US" sz="2400" b="1" dirty="0">
+                <a:solidFill>
+                  <a:schemeClr val="tx1">
+                    <a:lumMod val="75000"/>
+                    <a:lumOff val="25000"/>
+                  </a:schemeClr>
+                </a:solidFill>
+                <a:latin typeface="PT Sans" panose="020B0503020203020204" pitchFamily="34" charset="0"/>
+              </a:rPr>
+              <a:t>State</a:t>
+            </a:r>
+            <a:r>
+              <a:rPr lang="en-US" sz="2400" dirty="0">
+                <a:solidFill>
+                  <a:schemeClr val="tx1">
+                    <a:lumMod val="75000"/>
+                    <a:lumOff val="25000"/>
+                  </a:schemeClr>
+                </a:solidFill>
+                <a:latin typeface="PT Sans" panose="020B0503020203020204" pitchFamily="34" charset="0"/>
+              </a:rPr>
+              <a:t> are usually implemented with lots of conditional statements (</a:t>
+            </a:r>
+            <a:r>
+              <a:rPr lang="en-US" sz="2400" b="1" dirty="0">
+                <a:solidFill>
+                  <a:schemeClr val="tx1">
+                    <a:lumMod val="75000"/>
+                    <a:lumOff val="25000"/>
+                  </a:schemeClr>
+                </a:solidFill>
+                <a:latin typeface="PT Sans" panose="020B0503020203020204" pitchFamily="34" charset="0"/>
+              </a:rPr>
+              <a:t>if</a:t>
+            </a:r>
+            <a:r>
+              <a:rPr lang="en-US" sz="2400" dirty="0">
+                <a:solidFill>
+                  <a:schemeClr val="tx1">
+                    <a:lumMod val="75000"/>
+                    <a:lumOff val="25000"/>
+                  </a:schemeClr>
+                </a:solidFill>
+                <a:latin typeface="PT Sans" panose="020B0503020203020204" pitchFamily="34" charset="0"/>
+              </a:rPr>
+              <a:t> or </a:t>
+            </a:r>
+            <a:r>
+              <a:rPr lang="en-US" sz="2400" b="1" dirty="0">
+                <a:solidFill>
+                  <a:schemeClr val="tx1">
+                    <a:lumMod val="75000"/>
+                    <a:lumOff val="25000"/>
+                  </a:schemeClr>
+                </a:solidFill>
+                <a:latin typeface="PT Sans" panose="020B0503020203020204" pitchFamily="34" charset="0"/>
+              </a:rPr>
+              <a:t>switch</a:t>
+            </a:r>
+            <a:r>
+              <a:rPr lang="en-US" sz="2400" dirty="0">
+                <a:solidFill>
+                  <a:schemeClr val="tx1">
+                    <a:lumMod val="75000"/>
+                    <a:lumOff val="25000"/>
+                  </a:schemeClr>
+                </a:solidFill>
+                <a:latin typeface="PT Sans" panose="020B0503020203020204" pitchFamily="34" charset="0"/>
+              </a:rPr>
+              <a:t>) that select the appropriate behavior depending on the current state of the object. Usually, this “state” is just a set of values of the object’s fields.  </a:t>
+            </a:r>
+          </a:p>
+        </p:txBody>
+      </p:sp>
+      <p:sp>
+        <p:nvSpPr>
+          <p:cNvPr id="11" name="TextBox 10">
+            <a:extLst>
+              <a:ext uri="{FF2B5EF4-FFF2-40B4-BE49-F238E27FC236}">
+                <a16:creationId xmlns:a16="http://schemas.microsoft.com/office/drawing/2014/main" id="{D9B8CEFD-8E57-60F5-9803-3001906E0EB7}"/>
+              </a:ext>
+            </a:extLst>
+          </p:cNvPr>
+          <p:cNvSpPr txBox="1"/>
+          <p:nvPr/>
+        </p:nvSpPr>
+        <p:spPr>
+          <a:xfrm>
+            <a:off x="1616967" y="2234544"/>
+            <a:ext cx="4572000" cy="5324535"/>
+          </a:xfrm>
+          <a:prstGeom prst="rect">
+            <a:avLst/>
+          </a:prstGeom>
+          <a:noFill/>
+        </p:spPr>
+        <p:txBody>
+          <a:bodyPr wrap="square">
+            <a:spAutoFit/>
+          </a:bodyPr>
+          <a:lstStyle/>
+          <a:p>
+            <a:r>
+              <a:rPr lang="en-US" sz="2000" b="1" dirty="0">
                 <a:solidFill>
                   <a:schemeClr val="tx1">
                     <a:lumMod val="65000"/>
@@ -4591,22 +4505,12 @@
                   </a:schemeClr>
                 </a:solidFill>
               </a:rPr>
-              <a:t>The biggest weakness of a state machine based on conditionals reveals itself once we start adding more and more states and state-dependent behaviors to the class. Most methods will contain monstrous conditionals that pick the proper behavior of a method according to the current state. Code like this is very difficult to maintain because any change to the transition logic may require changing state conditionals in every method.</a:t>
-            </a:r>
-          </a:p>
-          <a:p>
-            <a:endParaRPr lang="en-US" sz="3200" dirty="0">
-              <a:solidFill>
-                <a:schemeClr val="tx1">
-                  <a:lumMod val="65000"/>
-                  <a:lumOff val="35000"/>
-                </a:schemeClr>
-              </a:solidFill>
-            </a:endParaRPr>
-          </a:p>
-          <a:p>
-            <a:r>
-              <a:rPr lang="en-US" sz="3200" dirty="0">
+              <a:t>class Document</a:t>
+            </a:r>
+          </a:p>
+          <a:p>
+            <a:r>
+              <a:rPr lang="en-US" sz="2000" b="1" dirty="0">
                 <a:solidFill>
                   <a:schemeClr val="tx1">
                     <a:lumMod val="65000"/>
@@ -4614,7 +4518,303 @@
                   </a:schemeClr>
                 </a:solidFill>
               </a:rPr>
-              <a:t>The problem tends to get bigger as a project evolves. It’s quite difficult to predict all possible states and transitions at the design stage. Hence, a lean state machine built with a limited set of conditionals can grow into a bloated mess over time.</a:t>
+              <a:t>{    private string state;</a:t>
+            </a:r>
+          </a:p>
+          <a:p>
+            <a:r>
+              <a:rPr lang="en-US" sz="2000" b="1" dirty="0">
+                <a:solidFill>
+                  <a:schemeClr val="tx1">
+                    <a:lumMod val="65000"/>
+                    <a:lumOff val="35000"/>
+                  </a:schemeClr>
+                </a:solidFill>
+              </a:rPr>
+              <a:t>     public void publish(){</a:t>
+            </a:r>
+          </a:p>
+          <a:p>
+            <a:r>
+              <a:rPr lang="en-US" sz="2000" b="1" dirty="0">
+                <a:solidFill>
+                  <a:schemeClr val="tx1">
+                    <a:lumMod val="65000"/>
+                    <a:lumOff val="35000"/>
+                  </a:schemeClr>
+                </a:solidFill>
+              </a:rPr>
+              <a:t>        switch (state){</a:t>
+            </a:r>
+          </a:p>
+          <a:p>
+            <a:r>
+              <a:rPr lang="en-US" sz="2000" b="1" dirty="0">
+                <a:solidFill>
+                  <a:schemeClr val="tx1">
+                    <a:lumMod val="65000"/>
+                    <a:lumOff val="35000"/>
+                  </a:schemeClr>
+                </a:solidFill>
+              </a:rPr>
+              <a:t>            case "draft": </a:t>
+            </a:r>
+          </a:p>
+          <a:p>
+            <a:r>
+              <a:rPr lang="en-US" sz="2000" b="1" dirty="0">
+                <a:solidFill>
+                  <a:schemeClr val="tx1">
+                    <a:lumMod val="65000"/>
+                    <a:lumOff val="35000"/>
+                  </a:schemeClr>
+                </a:solidFill>
+              </a:rPr>
+              <a:t>	state = "moderation"; </a:t>
+            </a:r>
+          </a:p>
+          <a:p>
+            <a:r>
+              <a:rPr lang="en-US" sz="2000" b="1" dirty="0">
+                <a:solidFill>
+                  <a:schemeClr val="tx1">
+                    <a:lumMod val="65000"/>
+                    <a:lumOff val="35000"/>
+                  </a:schemeClr>
+                </a:solidFill>
+              </a:rPr>
+              <a:t>	break;</a:t>
+            </a:r>
+          </a:p>
+          <a:p>
+            <a:r>
+              <a:rPr lang="en-US" sz="2000" b="1" dirty="0">
+                <a:solidFill>
+                  <a:schemeClr val="tx1">
+                    <a:lumMod val="65000"/>
+                    <a:lumOff val="35000"/>
+                  </a:schemeClr>
+                </a:solidFill>
+              </a:rPr>
+              <a:t>            case "moderation": </a:t>
+            </a:r>
+          </a:p>
+          <a:p>
+            <a:r>
+              <a:rPr lang="en-US" sz="2000" b="1" dirty="0">
+                <a:solidFill>
+                  <a:schemeClr val="tx1">
+                    <a:lumMod val="65000"/>
+                    <a:lumOff val="35000"/>
+                  </a:schemeClr>
+                </a:solidFill>
+              </a:rPr>
+              <a:t>	if (</a:t>
+            </a:r>
+            <a:r>
+              <a:rPr lang="en-US" sz="2000" b="1" dirty="0" err="1">
+                <a:solidFill>
+                  <a:schemeClr val="tx1">
+                    <a:lumMod val="65000"/>
+                    <a:lumOff val="35000"/>
+                  </a:schemeClr>
+                </a:solidFill>
+              </a:rPr>
+              <a:t>currentUser.role</a:t>
+            </a:r>
+            <a:r>
+              <a:rPr lang="en-US" sz="2000" b="1" dirty="0">
+                <a:solidFill>
+                  <a:schemeClr val="tx1">
+                    <a:lumMod val="65000"/>
+                    <a:lumOff val="35000"/>
+                  </a:schemeClr>
+                </a:solidFill>
+              </a:rPr>
+              <a:t> == "admin"){ </a:t>
+            </a:r>
+          </a:p>
+          <a:p>
+            <a:r>
+              <a:rPr lang="en-US" sz="2000" b="1" dirty="0">
+                <a:solidFill>
+                  <a:schemeClr val="tx1">
+                    <a:lumMod val="65000"/>
+                    <a:lumOff val="35000"/>
+                  </a:schemeClr>
+                </a:solidFill>
+              </a:rPr>
+              <a:t>		state = "published"; </a:t>
+            </a:r>
+          </a:p>
+          <a:p>
+            <a:r>
+              <a:rPr lang="en-US" sz="2000" b="1" dirty="0">
+                <a:solidFill>
+                  <a:schemeClr val="tx1">
+                    <a:lumMod val="65000"/>
+                    <a:lumOff val="35000"/>
+                  </a:schemeClr>
+                </a:solidFill>
+              </a:rPr>
+              <a:t>	} </a:t>
+            </a:r>
+          </a:p>
+          <a:p>
+            <a:r>
+              <a:rPr lang="en-US" sz="2000" b="1" dirty="0">
+                <a:solidFill>
+                  <a:schemeClr val="tx1">
+                    <a:lumMod val="65000"/>
+                    <a:lumOff val="35000"/>
+                  </a:schemeClr>
+                </a:solidFill>
+              </a:rPr>
+              <a:t>	break;</a:t>
+            </a:r>
+          </a:p>
+          <a:p>
+            <a:r>
+              <a:rPr lang="en-US" sz="2000" b="1" dirty="0">
+                <a:solidFill>
+                  <a:schemeClr val="tx1">
+                    <a:lumMod val="65000"/>
+                    <a:lumOff val="35000"/>
+                  </a:schemeClr>
+                </a:solidFill>
+              </a:rPr>
+              <a:t>            case "published": </a:t>
+            </a:r>
+          </a:p>
+          <a:p>
+            <a:r>
+              <a:rPr lang="en-US" sz="2000" b="1" dirty="0">
+                <a:solidFill>
+                  <a:schemeClr val="tx1">
+                    <a:lumMod val="65000"/>
+                    <a:lumOff val="35000"/>
+                  </a:schemeClr>
+                </a:solidFill>
+              </a:rPr>
+              <a:t>	break; </a:t>
+            </a:r>
+          </a:p>
+          <a:p>
+            <a:r>
+              <a:rPr lang="en-US" sz="2000" b="1" dirty="0">
+                <a:solidFill>
+                  <a:schemeClr val="tx1">
+                    <a:lumMod val="65000"/>
+                    <a:lumOff val="35000"/>
+                  </a:schemeClr>
+                </a:solidFill>
+              </a:rPr>
+              <a:t>        }</a:t>
+            </a:r>
+          </a:p>
+          <a:p>
+            <a:r>
+              <a:rPr lang="en-US" sz="2000" b="1" dirty="0">
+                <a:solidFill>
+                  <a:schemeClr val="tx1">
+                    <a:lumMod val="65000"/>
+                    <a:lumOff val="35000"/>
+                  </a:schemeClr>
+                </a:solidFill>
+              </a:rPr>
+              <a:t>    }</a:t>
+            </a:r>
+          </a:p>
+          <a:p>
+            <a:r>
+              <a:rPr lang="en-US" sz="2000" b="1" dirty="0">
+                <a:solidFill>
+                  <a:schemeClr val="tx1">
+                    <a:lumMod val="65000"/>
+                    <a:lumOff val="35000"/>
+                  </a:schemeClr>
+                </a:solidFill>
+              </a:rPr>
+              <a:t>}</a:t>
+            </a:r>
+          </a:p>
+        </p:txBody>
+      </p:sp>
+      <p:pic>
+        <p:nvPicPr>
+          <p:cNvPr id="14" name="Picture 13">
+            <a:extLst>
+              <a:ext uri="{FF2B5EF4-FFF2-40B4-BE49-F238E27FC236}">
+                <a16:creationId xmlns:a16="http://schemas.microsoft.com/office/drawing/2014/main" id="{260F256F-DB71-5962-0B3C-2BF3053D9834}"/>
+              </a:ext>
+            </a:extLst>
+          </p:cNvPr>
+          <p:cNvPicPr>
+            <a:picLocks noChangeAspect="1"/>
+          </p:cNvPicPr>
+          <p:nvPr/>
+        </p:nvPicPr>
+        <p:blipFill>
+          <a:blip r:embed="rId4">
+            <a:extLst>
+              <a:ext uri="{28A0092B-C50C-407E-A947-70E740481C1C}">
+                <a14:useLocalDpi xmlns:a14="http://schemas.microsoft.com/office/drawing/2010/main" val="0"/>
+              </a:ext>
+            </a:extLst>
+          </a:blip>
+          <a:stretch>
+            <a:fillRect/>
+          </a:stretch>
+        </p:blipFill>
+        <p:spPr>
+          <a:xfrm>
+            <a:off x="6437664" y="2234545"/>
+            <a:ext cx="6573302" cy="5164737"/>
+          </a:xfrm>
+          <a:prstGeom prst="rect">
+            <a:avLst/>
+          </a:prstGeom>
+        </p:spPr>
+      </p:pic>
+      <p:sp>
+        <p:nvSpPr>
+          <p:cNvPr id="16" name="TextBox 15">
+            <a:extLst>
+              <a:ext uri="{FF2B5EF4-FFF2-40B4-BE49-F238E27FC236}">
+                <a16:creationId xmlns:a16="http://schemas.microsoft.com/office/drawing/2014/main" id="{7A4FBA57-859E-0AC6-1B6D-483C7772BB34}"/>
+              </a:ext>
+            </a:extLst>
+          </p:cNvPr>
+          <p:cNvSpPr txBox="1"/>
+          <p:nvPr/>
+        </p:nvSpPr>
+        <p:spPr>
+          <a:xfrm>
+            <a:off x="1169503" y="7604902"/>
+            <a:ext cx="12725400" cy="1938992"/>
+          </a:xfrm>
+          <a:prstGeom prst="rect">
+            <a:avLst/>
+          </a:prstGeom>
+          <a:noFill/>
+        </p:spPr>
+        <p:txBody>
+          <a:bodyPr wrap="square">
+            <a:spAutoFit/>
+          </a:bodyPr>
+          <a:lstStyle/>
+          <a:p>
+            <a:r>
+              <a:rPr lang="en-US" sz="2400" dirty="0">
+                <a:solidFill>
+                  <a:schemeClr val="tx1">
+                    <a:lumMod val="75000"/>
+                    <a:lumOff val="25000"/>
+                  </a:schemeClr>
+                </a:solidFill>
+                <a:latin typeface="PT Sans" panose="020B0503020203020204" pitchFamily="34" charset="0"/>
+              </a:rPr>
+              <a:t>The biggest weakness of a state machine based on conditionals reveals itself once we start adding more and more states and state-dependent behaviors to the Document class. Most methods will contain monstrous conditionals that pick the proper behavior of a method according to the current state. Code like this is very difficult to maintain because any change to the transition logic may require changing state conditionals in every method.</a:t>
             </a:r>
           </a:p>
         </p:txBody>
@@ -4663,6 +4863,567 @@
         </p:nvSpPr>
         <p:spPr>
           <a:xfrm rot="136196">
+            <a:off x="13507136" y="7525792"/>
+            <a:ext cx="6381430" cy="4970724"/>
+          </a:xfrm>
+          <a:custGeom>
+            <a:avLst/>
+            <a:gdLst/>
+            <a:ahLst/>
+            <a:cxnLst/>
+            <a:rect l="l" t="t" r="r" b="b"/>
+            <a:pathLst>
+              <a:path w="6381430" h="4970724">
+                <a:moveTo>
+                  <a:pt x="0" y="0"/>
+                </a:moveTo>
+                <a:lnTo>
+                  <a:pt x="6381430" y="0"/>
+                </a:lnTo>
+                <a:lnTo>
+                  <a:pt x="6381430" y="4970724"/>
+                </a:lnTo>
+                <a:lnTo>
+                  <a:pt x="0" y="4970724"/>
+                </a:lnTo>
+                <a:lnTo>
+                  <a:pt x="0" y="0"/>
+                </a:lnTo>
+                <a:close/>
+              </a:path>
+            </a:pathLst>
+          </a:custGeom>
+          <a:blipFill>
+            <a:blip r:embed="rId2">
+              <a:extLst>
+                <a:ext uri="{96DAC541-7B7A-43D3-8B79-37D633B846F1}">
+                  <asvg:svgBlip xmlns:asvg="http://schemas.microsoft.com/office/drawing/2016/SVG/main" r:embed="rId3"/>
+                </a:ext>
+              </a:extLst>
+            </a:blip>
+            <a:stretch>
+              <a:fillRect/>
+            </a:stretch>
+          </a:blipFill>
+        </p:spPr>
+        <p:txBody>
+          <a:bodyPr/>
+          <a:lstStyle/>
+          <a:p>
+            <a:endParaRPr lang="en-US"/>
+          </a:p>
+        </p:txBody>
+      </p:sp>
+      <p:sp>
+        <p:nvSpPr>
+          <p:cNvPr id="3" name="Freeform 3">
+            <a:extLst>
+              <a:ext uri="{FF2B5EF4-FFF2-40B4-BE49-F238E27FC236}">
+                <a16:creationId xmlns:a16="http://schemas.microsoft.com/office/drawing/2014/main" id="{9A9F68B0-1CF9-C205-3781-4667AEBF4DA5}"/>
+              </a:ext>
+            </a:extLst>
+          </p:cNvPr>
+          <p:cNvSpPr/>
+          <p:nvPr/>
+        </p:nvSpPr>
+        <p:spPr>
+          <a:xfrm rot="136196">
+            <a:off x="14215401" y="2857908"/>
+            <a:ext cx="4964900" cy="3867338"/>
+          </a:xfrm>
+          <a:custGeom>
+            <a:avLst/>
+            <a:gdLst/>
+            <a:ahLst/>
+            <a:cxnLst/>
+            <a:rect l="l" t="t" r="r" b="b"/>
+            <a:pathLst>
+              <a:path w="4964900" h="3867338">
+                <a:moveTo>
+                  <a:pt x="0" y="0"/>
+                </a:moveTo>
+                <a:lnTo>
+                  <a:pt x="4964900" y="0"/>
+                </a:lnTo>
+                <a:lnTo>
+                  <a:pt x="4964900" y="3867339"/>
+                </a:lnTo>
+                <a:lnTo>
+                  <a:pt x="0" y="3867339"/>
+                </a:lnTo>
+                <a:lnTo>
+                  <a:pt x="0" y="0"/>
+                </a:lnTo>
+                <a:close/>
+              </a:path>
+            </a:pathLst>
+          </a:custGeom>
+          <a:blipFill>
+            <a:blip r:embed="rId2">
+              <a:extLst>
+                <a:ext uri="{96DAC541-7B7A-43D3-8B79-37D633B846F1}">
+                  <asvg:svgBlip xmlns:asvg="http://schemas.microsoft.com/office/drawing/2016/SVG/main" r:embed="rId3"/>
+                </a:ext>
+              </a:extLst>
+            </a:blip>
+            <a:stretch>
+              <a:fillRect/>
+            </a:stretch>
+          </a:blipFill>
+        </p:spPr>
+        <p:txBody>
+          <a:bodyPr/>
+          <a:lstStyle/>
+          <a:p>
+            <a:endParaRPr lang="en-US"/>
+          </a:p>
+        </p:txBody>
+      </p:sp>
+      <p:sp>
+        <p:nvSpPr>
+          <p:cNvPr id="4" name="Freeform 4">
+            <a:extLst>
+              <a:ext uri="{FF2B5EF4-FFF2-40B4-BE49-F238E27FC236}">
+                <a16:creationId xmlns:a16="http://schemas.microsoft.com/office/drawing/2014/main" id="{C5E20729-16C7-10C5-BFCB-1B9F69D8ED7E}"/>
+              </a:ext>
+            </a:extLst>
+          </p:cNvPr>
+          <p:cNvSpPr/>
+          <p:nvPr/>
+        </p:nvSpPr>
+        <p:spPr>
+          <a:xfrm rot="136196">
+            <a:off x="14215401" y="4888384"/>
+            <a:ext cx="4964900" cy="3867338"/>
+          </a:xfrm>
+          <a:custGeom>
+            <a:avLst/>
+            <a:gdLst/>
+            <a:ahLst/>
+            <a:cxnLst/>
+            <a:rect l="l" t="t" r="r" b="b"/>
+            <a:pathLst>
+              <a:path w="4964900" h="3867338">
+                <a:moveTo>
+                  <a:pt x="0" y="0"/>
+                </a:moveTo>
+                <a:lnTo>
+                  <a:pt x="4964900" y="0"/>
+                </a:lnTo>
+                <a:lnTo>
+                  <a:pt x="4964900" y="3867338"/>
+                </a:lnTo>
+                <a:lnTo>
+                  <a:pt x="0" y="3867338"/>
+                </a:lnTo>
+                <a:lnTo>
+                  <a:pt x="0" y="0"/>
+                </a:lnTo>
+                <a:close/>
+              </a:path>
+            </a:pathLst>
+          </a:custGeom>
+          <a:blipFill>
+            <a:blip r:embed="rId2">
+              <a:extLst>
+                <a:ext uri="{96DAC541-7B7A-43D3-8B79-37D633B846F1}">
+                  <asvg:svgBlip xmlns:asvg="http://schemas.microsoft.com/office/drawing/2016/SVG/main" r:embed="rId3"/>
+                </a:ext>
+              </a:extLst>
+            </a:blip>
+            <a:stretch>
+              <a:fillRect/>
+            </a:stretch>
+          </a:blipFill>
+        </p:spPr>
+        <p:txBody>
+          <a:bodyPr/>
+          <a:lstStyle/>
+          <a:p>
+            <a:endParaRPr lang="en-US"/>
+          </a:p>
+        </p:txBody>
+      </p:sp>
+      <p:sp>
+        <p:nvSpPr>
+          <p:cNvPr id="5" name="Freeform 5">
+            <a:extLst>
+              <a:ext uri="{FF2B5EF4-FFF2-40B4-BE49-F238E27FC236}">
+                <a16:creationId xmlns:a16="http://schemas.microsoft.com/office/drawing/2014/main" id="{A859950C-AED8-4BBD-5339-0279E2027EBA}"/>
+              </a:ext>
+            </a:extLst>
+          </p:cNvPr>
+          <p:cNvSpPr/>
+          <p:nvPr/>
+        </p:nvSpPr>
+        <p:spPr>
+          <a:xfrm rot="136196">
+            <a:off x="14712482" y="340995"/>
+            <a:ext cx="4964900" cy="3867338"/>
+          </a:xfrm>
+          <a:custGeom>
+            <a:avLst/>
+            <a:gdLst/>
+            <a:ahLst/>
+            <a:cxnLst/>
+            <a:rect l="l" t="t" r="r" b="b"/>
+            <a:pathLst>
+              <a:path w="4964900" h="3867338">
+                <a:moveTo>
+                  <a:pt x="0" y="0"/>
+                </a:moveTo>
+                <a:lnTo>
+                  <a:pt x="4964900" y="0"/>
+                </a:lnTo>
+                <a:lnTo>
+                  <a:pt x="4964900" y="3867338"/>
+                </a:lnTo>
+                <a:lnTo>
+                  <a:pt x="0" y="3867338"/>
+                </a:lnTo>
+                <a:lnTo>
+                  <a:pt x="0" y="0"/>
+                </a:lnTo>
+                <a:close/>
+              </a:path>
+            </a:pathLst>
+          </a:custGeom>
+          <a:blipFill>
+            <a:blip r:embed="rId2">
+              <a:extLst>
+                <a:ext uri="{96DAC541-7B7A-43D3-8B79-37D633B846F1}">
+                  <asvg:svgBlip xmlns:asvg="http://schemas.microsoft.com/office/drawing/2016/SVG/main" r:embed="rId3"/>
+                </a:ext>
+              </a:extLst>
+            </a:blip>
+            <a:stretch>
+              <a:fillRect/>
+            </a:stretch>
+          </a:blipFill>
+        </p:spPr>
+        <p:txBody>
+          <a:bodyPr/>
+          <a:lstStyle/>
+          <a:p>
+            <a:endParaRPr lang="en-US"/>
+          </a:p>
+        </p:txBody>
+      </p:sp>
+      <p:sp>
+        <p:nvSpPr>
+          <p:cNvPr id="6" name="Freeform 6">
+            <a:extLst>
+              <a:ext uri="{FF2B5EF4-FFF2-40B4-BE49-F238E27FC236}">
+                <a16:creationId xmlns:a16="http://schemas.microsoft.com/office/drawing/2014/main" id="{0F3B9FA6-4D35-DADA-338F-A44AED18C5BD}"/>
+              </a:ext>
+            </a:extLst>
+          </p:cNvPr>
+          <p:cNvSpPr/>
+          <p:nvPr/>
+        </p:nvSpPr>
+        <p:spPr>
+          <a:xfrm rot="136196">
+            <a:off x="13520160" y="-2209515"/>
+            <a:ext cx="4964900" cy="3867338"/>
+          </a:xfrm>
+          <a:custGeom>
+            <a:avLst/>
+            <a:gdLst/>
+            <a:ahLst/>
+            <a:cxnLst/>
+            <a:rect l="l" t="t" r="r" b="b"/>
+            <a:pathLst>
+              <a:path w="4964900" h="3867338">
+                <a:moveTo>
+                  <a:pt x="0" y="0"/>
+                </a:moveTo>
+                <a:lnTo>
+                  <a:pt x="4964900" y="0"/>
+                </a:lnTo>
+                <a:lnTo>
+                  <a:pt x="4964900" y="3867338"/>
+                </a:lnTo>
+                <a:lnTo>
+                  <a:pt x="0" y="3867338"/>
+                </a:lnTo>
+                <a:lnTo>
+                  <a:pt x="0" y="0"/>
+                </a:lnTo>
+                <a:close/>
+              </a:path>
+            </a:pathLst>
+          </a:custGeom>
+          <a:blipFill>
+            <a:blip r:embed="rId2">
+              <a:extLst>
+                <a:ext uri="{96DAC541-7B7A-43D3-8B79-37D633B846F1}">
+                  <asvg:svgBlip xmlns:asvg="http://schemas.microsoft.com/office/drawing/2016/SVG/main" r:embed="rId3"/>
+                </a:ext>
+              </a:extLst>
+            </a:blip>
+            <a:stretch>
+              <a:fillRect/>
+            </a:stretch>
+          </a:blipFill>
+        </p:spPr>
+        <p:txBody>
+          <a:bodyPr/>
+          <a:lstStyle/>
+          <a:p>
+            <a:endParaRPr lang="en-US"/>
+          </a:p>
+        </p:txBody>
+      </p:sp>
+      <p:sp>
+        <p:nvSpPr>
+          <p:cNvPr id="10" name="TextBox 9">
+            <a:extLst>
+              <a:ext uri="{FF2B5EF4-FFF2-40B4-BE49-F238E27FC236}">
+                <a16:creationId xmlns:a16="http://schemas.microsoft.com/office/drawing/2014/main" id="{4B08A5E7-CA91-6FD1-1B12-C465BCF4B919}"/>
+              </a:ext>
+            </a:extLst>
+          </p:cNvPr>
+          <p:cNvSpPr txBox="1"/>
+          <p:nvPr/>
+        </p:nvSpPr>
+        <p:spPr>
+          <a:xfrm>
+            <a:off x="1143000" y="384949"/>
+            <a:ext cx="9993084" cy="769441"/>
+          </a:xfrm>
+          <a:prstGeom prst="rect">
+            <a:avLst/>
+          </a:prstGeom>
+          <a:noFill/>
+        </p:spPr>
+        <p:txBody>
+          <a:bodyPr wrap="square">
+            <a:spAutoFit/>
+          </a:bodyPr>
+          <a:lstStyle/>
+          <a:p>
+            <a:pPr algn="l"/>
+            <a:r>
+              <a:rPr lang="en-US" sz="4400" b="1" i="0" dirty="0">
+                <a:solidFill>
+                  <a:srgbClr val="444444"/>
+                </a:solidFill>
+                <a:effectLst/>
+                <a:latin typeface="Bluetea" pitchFamily="50" charset="0"/>
+              </a:rPr>
+              <a:t>Solution</a:t>
+            </a:r>
+          </a:p>
+        </p:txBody>
+      </p:sp>
+      <p:sp>
+        <p:nvSpPr>
+          <p:cNvPr id="12" name="TextBox 11">
+            <a:extLst>
+              <a:ext uri="{FF2B5EF4-FFF2-40B4-BE49-F238E27FC236}">
+                <a16:creationId xmlns:a16="http://schemas.microsoft.com/office/drawing/2014/main" id="{6C754EC3-57C7-3614-8EFA-C0E74B024B07}"/>
+              </a:ext>
+            </a:extLst>
+          </p:cNvPr>
+          <p:cNvSpPr txBox="1"/>
+          <p:nvPr/>
+        </p:nvSpPr>
+        <p:spPr>
+          <a:xfrm>
+            <a:off x="1142999" y="1034215"/>
+            <a:ext cx="12997761" cy="2308324"/>
+          </a:xfrm>
+          <a:prstGeom prst="rect">
+            <a:avLst/>
+          </a:prstGeom>
+          <a:noFill/>
+        </p:spPr>
+        <p:txBody>
+          <a:bodyPr wrap="square">
+            <a:spAutoFit/>
+          </a:bodyPr>
+          <a:lstStyle/>
+          <a:p>
+            <a:r>
+              <a:rPr lang="en-US" sz="2400" b="1" dirty="0">
+                <a:solidFill>
+                  <a:schemeClr val="tx1">
+                    <a:lumMod val="75000"/>
+                    <a:lumOff val="25000"/>
+                  </a:schemeClr>
+                </a:solidFill>
+                <a:latin typeface="PT Sans" panose="020B0503020203020204" pitchFamily="34" charset="0"/>
+              </a:rPr>
+              <a:t>State</a:t>
+            </a:r>
+            <a:r>
+              <a:rPr lang="en-US" sz="2400" dirty="0">
+                <a:solidFill>
+                  <a:schemeClr val="tx1">
+                    <a:lumMod val="75000"/>
+                    <a:lumOff val="25000"/>
+                  </a:schemeClr>
+                </a:solidFill>
+                <a:latin typeface="PT Sans" panose="020B0503020203020204" pitchFamily="34" charset="0"/>
+              </a:rPr>
+              <a:t> pattern suggests that you create new classes for all possible states of an object and extract all state-specific behaviors into these classes.</a:t>
+            </a:r>
+          </a:p>
+          <a:p>
+            <a:endParaRPr lang="en-US" sz="2400" dirty="0">
+              <a:solidFill>
+                <a:schemeClr val="tx1">
+                  <a:lumMod val="75000"/>
+                  <a:lumOff val="25000"/>
+                </a:schemeClr>
+              </a:solidFill>
+              <a:latin typeface="PT Sans" panose="020B0503020203020204" pitchFamily="34" charset="0"/>
+            </a:endParaRPr>
+          </a:p>
+          <a:p>
+            <a:r>
+              <a:rPr lang="en-US" sz="2400" dirty="0">
+                <a:solidFill>
+                  <a:schemeClr val="tx1">
+                    <a:lumMod val="75000"/>
+                    <a:lumOff val="25000"/>
+                  </a:schemeClr>
+                </a:solidFill>
+                <a:latin typeface="PT Sans" panose="020B0503020203020204" pitchFamily="34" charset="0"/>
+              </a:rPr>
+              <a:t>Instead of implementing all behaviors on its own, the original object, called context, stores a reference to one of the state objects that represents its current state, and delegates all the state-related work to that object.</a:t>
+            </a:r>
+          </a:p>
+        </p:txBody>
+      </p:sp>
+      <p:pic>
+        <p:nvPicPr>
+          <p:cNvPr id="2050" name="Picture 2" descr="Document delegates the work to a state object">
+            <a:extLst>
+              <a:ext uri="{FF2B5EF4-FFF2-40B4-BE49-F238E27FC236}">
+                <a16:creationId xmlns:a16="http://schemas.microsoft.com/office/drawing/2014/main" id="{3D6EBD5A-D36E-7D3A-0F5F-13179B363BB3}"/>
+              </a:ext>
+            </a:extLst>
+          </p:cNvPr>
+          <p:cNvPicPr>
+            <a:picLocks noChangeAspect="1" noChangeArrowheads="1"/>
+          </p:cNvPicPr>
+          <p:nvPr/>
+        </p:nvPicPr>
+        <p:blipFill>
+          <a:blip r:embed="rId4">
+            <a:extLst>
+              <a:ext uri="{28A0092B-C50C-407E-A947-70E740481C1C}">
+                <a14:useLocalDpi xmlns:a14="http://schemas.microsoft.com/office/drawing/2010/main" val="0"/>
+              </a:ext>
+            </a:extLst>
+          </a:blip>
+          <a:srcRect/>
+          <a:stretch>
+            <a:fillRect/>
+          </a:stretch>
+        </p:blipFill>
+        <p:spPr bwMode="auto">
+          <a:xfrm>
+            <a:off x="3356200" y="3360761"/>
+            <a:ext cx="6397400" cy="4177894"/>
+          </a:xfrm>
+          <a:prstGeom prst="rect">
+            <a:avLst/>
+          </a:prstGeom>
+          <a:noFill/>
+          <a:extLst>
+            <a:ext uri="{909E8E84-426E-40DD-AFC4-6F175D3DCCD1}">
+              <a14:hiddenFill xmlns:a14="http://schemas.microsoft.com/office/drawing/2010/main">
+                <a:solidFill>
+                  <a:srgbClr val="FFFFFF"/>
+                </a:solidFill>
+              </a14:hiddenFill>
+            </a:ext>
+          </a:extLst>
+        </p:spPr>
+      </p:pic>
+      <p:sp>
+        <p:nvSpPr>
+          <p:cNvPr id="8" name="TextBox 7">
+            <a:extLst>
+              <a:ext uri="{FF2B5EF4-FFF2-40B4-BE49-F238E27FC236}">
+                <a16:creationId xmlns:a16="http://schemas.microsoft.com/office/drawing/2014/main" id="{E8043CB6-236B-FD91-571A-93CE02122708}"/>
+              </a:ext>
+            </a:extLst>
+          </p:cNvPr>
+          <p:cNvSpPr txBox="1"/>
+          <p:nvPr/>
+        </p:nvSpPr>
+        <p:spPr>
+          <a:xfrm>
+            <a:off x="1142998" y="7683125"/>
+            <a:ext cx="12725401" cy="1200329"/>
+          </a:xfrm>
+          <a:prstGeom prst="rect">
+            <a:avLst/>
+          </a:prstGeom>
+          <a:noFill/>
+        </p:spPr>
+        <p:txBody>
+          <a:bodyPr wrap="square">
+            <a:spAutoFit/>
+          </a:bodyPr>
+          <a:lstStyle/>
+          <a:p>
+            <a:r>
+              <a:rPr lang="en-US" sz="2400" dirty="0">
+                <a:latin typeface="PT Sans" panose="020B0503020203020204" pitchFamily="34" charset="0"/>
+              </a:rPr>
+              <a:t>To transition the context into another state, replace the active state object with another object that represents that new state. This is possible only if all state classes follow the same interface and the context itself works with these objects through that interface.</a:t>
+            </a:r>
+          </a:p>
+        </p:txBody>
+      </p:sp>
+    </p:spTree>
+    <p:extLst>
+      <p:ext uri="{BB962C8B-B14F-4D97-AF65-F5344CB8AC3E}">
+        <p14:creationId xmlns:p14="http://schemas.microsoft.com/office/powerpoint/2010/main" val="3841356667"/>
+      </p:ext>
+    </p:extLst>
+  </p:cSld>
+  <p:clrMapOvr>
+    <a:masterClrMapping/>
+  </p:clrMapOvr>
+</p:sld>
+</file>
+
+<file path=ppt/slides/slide5.xml><?xml version="1.0" encoding="utf-8"?>
+<p:sld xmlns:a="http://schemas.openxmlformats.org/drawingml/2006/main" xmlns:r="http://schemas.openxmlformats.org/officeDocument/2006/relationships" xmlns:p="http://schemas.openxmlformats.org/presentationml/2006/main">
+  <p:cSld>
+    <p:spTree>
+      <p:nvGrpSpPr>
+        <p:cNvPr id="1" name=""/>
+        <p:cNvGrpSpPr/>
+        <p:nvPr/>
+      </p:nvGrpSpPr>
+      <p:grpSpPr>
+        <a:xfrm>
+          <a:off x="0" y="0"/>
+          <a:ext cx="0" cy="0"/>
+          <a:chOff x="0" y="0"/>
+          <a:chExt cx="0" cy="0"/>
+        </a:xfrm>
+      </p:grpSpPr>
+      <p:sp>
+        <p:nvSpPr>
+          <p:cNvPr id="2" name="Freeform 2">
+            <a:extLst>
+              <a:ext uri="{FF2B5EF4-FFF2-40B4-BE49-F238E27FC236}">
+                <a16:creationId xmlns:a16="http://schemas.microsoft.com/office/drawing/2014/main" id="{28046A9C-EA7C-3ADC-F01C-4315E0E469E9}"/>
+              </a:ext>
+            </a:extLst>
+          </p:cNvPr>
+          <p:cNvSpPr/>
+          <p:nvPr/>
+        </p:nvSpPr>
+        <p:spPr>
+          <a:xfrm rot="136196">
             <a:off x="14249034" y="7525792"/>
             <a:ext cx="6381430" cy="4970724"/>
           </a:xfrm>
@@ -5002,8 +5763,8 @@
         </p:blipFill>
         <p:spPr>
           <a:xfrm>
-            <a:off x="1143001" y="1583586"/>
-            <a:ext cx="6858000" cy="2248890"/>
+            <a:off x="592505" y="2319039"/>
+            <a:ext cx="7916089" cy="2595861"/>
           </a:xfrm>
           <a:prstGeom prst="rect">
             <a:avLst/>
@@ -5066,8 +5827,8 @@
         </p:nvSpPr>
         <p:spPr>
           <a:xfrm>
-            <a:off x="1142999" y="4076700"/>
-            <a:ext cx="13639801" cy="4154984"/>
+            <a:off x="1142998" y="5886532"/>
+            <a:ext cx="13639801" cy="1200329"/>
           </a:xfrm>
           <a:prstGeom prst="rect">
             <a:avLst/>
@@ -5082,39 +5843,11 @@
           <a:p>
             <a:r>
               <a:rPr lang="en-US" sz="2400" dirty="0"/>
-              <a:t>This pattern has three main parts, context, </a:t>
+              <a:t>A "Request" method of Context is used to change the current state to the next state. Internally it calls the </a:t>
             </a:r>
             <a:r>
               <a:rPr lang="en-US" sz="2400" dirty="0" err="1"/>
-              <a:t>statebase</a:t>
-            </a:r>
-            <a:r>
-              <a:rPr lang="en-US" sz="2400" dirty="0"/>
-              <a:t> and concrete state (State A, State B, State C and so on). The Context is also called Client. Client does not access any state directly. It only holds a concrete state object that provides the current behavior of the context object. </a:t>
-            </a:r>
-            <a:r>
-              <a:rPr lang="en-US" sz="2400" dirty="0" err="1"/>
-              <a:t>StateBase</a:t>
-            </a:r>
-            <a:r>
-              <a:rPr lang="en-US" sz="2400" dirty="0"/>
-              <a:t> is the base class of all concrete states. It may be an abstract class or an interface. Concrete class (State A, State B and State C) is provided functionality that will be used for change and hold the behavior of the context object.</a:t>
-            </a:r>
-          </a:p>
-          <a:p>
-            <a:r>
-              <a:rPr lang="en-US" sz="2400" dirty="0"/>
-              <a:t> </a:t>
-            </a:r>
-          </a:p>
-          <a:p>
-            <a:r>
-              <a:rPr lang="en-US" sz="2400" dirty="0"/>
-              <a:t>The basic code structure of the State Design Pattern implementation uses C# as in the following. Here starting state of context is passed through a constructor. A "Request" method of Context is used to change the current state to the next state. Internally it calls the </a:t>
-            </a:r>
-            <a:r>
-              <a:rPr lang="en-US" sz="2400" dirty="0" err="1"/>
-              <a:t>StateBase.Chage</a:t>
+              <a:t>StateBase.Change</a:t>
             </a:r>
             <a:r>
               <a:rPr lang="en-US" sz="2400" dirty="0"/>
@@ -5159,626 +5892,65 @@
         </p:blipFill>
         <p:spPr>
           <a:xfrm>
-            <a:off x="1142998" y="8231684"/>
+            <a:off x="1142998" y="7376518"/>
             <a:ext cx="7989385" cy="1179016"/>
           </a:xfrm>
           <a:prstGeom prst="rect">
             <a:avLst/>
           </a:prstGeom>
+        </p:spPr>
+      </p:pic>
+      <p:pic>
+        <p:nvPicPr>
+          <p:cNvPr id="3074" name="Picture 2" descr="Structure of the State design pattern">
+            <a:extLst>
+              <a:ext uri="{FF2B5EF4-FFF2-40B4-BE49-F238E27FC236}">
+                <a16:creationId xmlns:a16="http://schemas.microsoft.com/office/drawing/2014/main" id="{FD02FB64-7AC2-131A-2655-90F83CE1D096}"/>
+              </a:ext>
+            </a:extLst>
+          </p:cNvPr>
+          <p:cNvPicPr>
+            <a:picLocks noChangeAspect="1" noChangeArrowheads="1"/>
+          </p:cNvPicPr>
+          <p:nvPr/>
+        </p:nvPicPr>
+        <p:blipFill>
+          <a:blip r:embed="rId6">
+            <a:extLst>
+              <a:ext uri="{28A0092B-C50C-407E-A947-70E740481C1C}">
+                <a14:useLocalDpi xmlns:a14="http://schemas.microsoft.com/office/drawing/2010/main" val="0"/>
+              </a:ext>
+            </a:extLst>
+          </a:blip>
+          <a:srcRect/>
+          <a:stretch>
+            <a:fillRect/>
+          </a:stretch>
+        </p:blipFill>
+        <p:spPr bwMode="auto">
+          <a:xfrm>
+            <a:off x="8608454" y="932713"/>
+            <a:ext cx="6143042" cy="4664162"/>
+          </a:xfrm>
+          <a:prstGeom prst="rect">
+            <a:avLst/>
+          </a:prstGeom>
+          <a:noFill/>
+          <a:extLst>
+            <a:ext uri="{909E8E84-426E-40DD-AFC4-6F175D3DCCD1}">
+              <a14:hiddenFill xmlns:a14="http://schemas.microsoft.com/office/drawing/2010/main">
+                <a:solidFill>
+                  <a:srgbClr val="FFFFFF"/>
+                </a:solidFill>
+              </a14:hiddenFill>
+            </a:ext>
+          </a:extLst>
         </p:spPr>
       </p:pic>
     </p:spTree>
     <p:extLst>
       <p:ext uri="{BB962C8B-B14F-4D97-AF65-F5344CB8AC3E}">
         <p14:creationId xmlns:p14="http://schemas.microsoft.com/office/powerpoint/2010/main" val="1038052373"/>
-      </p:ext>
-    </p:extLst>
-  </p:cSld>
-  <p:clrMapOvr>
-    <a:masterClrMapping/>
-  </p:clrMapOvr>
-</p:sld>
-</file>
-
-<file path=ppt/slides/slide5.xml><?xml version="1.0" encoding="utf-8"?>
-<p:sld xmlns:a="http://schemas.openxmlformats.org/drawingml/2006/main" xmlns:r="http://schemas.openxmlformats.org/officeDocument/2006/relationships" xmlns:p="http://schemas.openxmlformats.org/presentationml/2006/main">
-  <p:cSld>
-    <p:spTree>
-      <p:nvGrpSpPr>
-        <p:cNvPr id="1" name=""/>
-        <p:cNvGrpSpPr/>
-        <p:nvPr/>
-      </p:nvGrpSpPr>
-      <p:grpSpPr>
-        <a:xfrm>
-          <a:off x="0" y="0"/>
-          <a:ext cx="0" cy="0"/>
-          <a:chOff x="0" y="0"/>
-          <a:chExt cx="0" cy="0"/>
-        </a:xfrm>
-      </p:grpSpPr>
-      <p:sp>
-        <p:nvSpPr>
-          <p:cNvPr id="2" name="Freeform 2">
-            <a:extLst>
-              <a:ext uri="{FF2B5EF4-FFF2-40B4-BE49-F238E27FC236}">
-                <a16:creationId xmlns:a16="http://schemas.microsoft.com/office/drawing/2014/main" id="{28046A9C-EA7C-3ADC-F01C-4315E0E469E9}"/>
-              </a:ext>
-            </a:extLst>
-          </p:cNvPr>
-          <p:cNvSpPr/>
-          <p:nvPr/>
-        </p:nvSpPr>
-        <p:spPr>
-          <a:xfrm rot="136196">
-            <a:off x="14096634" y="7525792"/>
-            <a:ext cx="6381430" cy="4970724"/>
-          </a:xfrm>
-          <a:custGeom>
-            <a:avLst/>
-            <a:gdLst/>
-            <a:ahLst/>
-            <a:cxnLst/>
-            <a:rect l="l" t="t" r="r" b="b"/>
-            <a:pathLst>
-              <a:path w="6381430" h="4970724">
-                <a:moveTo>
-                  <a:pt x="0" y="0"/>
-                </a:moveTo>
-                <a:lnTo>
-                  <a:pt x="6381430" y="0"/>
-                </a:lnTo>
-                <a:lnTo>
-                  <a:pt x="6381430" y="4970724"/>
-                </a:lnTo>
-                <a:lnTo>
-                  <a:pt x="0" y="4970724"/>
-                </a:lnTo>
-                <a:lnTo>
-                  <a:pt x="0" y="0"/>
-                </a:lnTo>
-                <a:close/>
-              </a:path>
-            </a:pathLst>
-          </a:custGeom>
-          <a:blipFill>
-            <a:blip r:embed="rId2">
-              <a:extLst>
-                <a:ext uri="{96DAC541-7B7A-43D3-8B79-37D633B846F1}">
-                  <asvg:svgBlip xmlns:asvg="http://schemas.microsoft.com/office/drawing/2016/SVG/main" r:embed="rId3"/>
-                </a:ext>
-              </a:extLst>
-            </a:blip>
-            <a:stretch>
-              <a:fillRect/>
-            </a:stretch>
-          </a:blipFill>
-        </p:spPr>
-        <p:txBody>
-          <a:bodyPr/>
-          <a:lstStyle/>
-          <a:p>
-            <a:endParaRPr lang="en-US"/>
-          </a:p>
-        </p:txBody>
-      </p:sp>
-      <p:sp>
-        <p:nvSpPr>
-          <p:cNvPr id="3" name="Freeform 3">
-            <a:extLst>
-              <a:ext uri="{FF2B5EF4-FFF2-40B4-BE49-F238E27FC236}">
-                <a16:creationId xmlns:a16="http://schemas.microsoft.com/office/drawing/2014/main" id="{9A9F68B0-1CF9-C205-3781-4667AEBF4DA5}"/>
-              </a:ext>
-            </a:extLst>
-          </p:cNvPr>
-          <p:cNvSpPr/>
-          <p:nvPr/>
-        </p:nvSpPr>
-        <p:spPr>
-          <a:xfrm rot="136196">
-            <a:off x="14804899" y="2857908"/>
-            <a:ext cx="4964900" cy="3867338"/>
-          </a:xfrm>
-          <a:custGeom>
-            <a:avLst/>
-            <a:gdLst/>
-            <a:ahLst/>
-            <a:cxnLst/>
-            <a:rect l="l" t="t" r="r" b="b"/>
-            <a:pathLst>
-              <a:path w="4964900" h="3867338">
-                <a:moveTo>
-                  <a:pt x="0" y="0"/>
-                </a:moveTo>
-                <a:lnTo>
-                  <a:pt x="4964900" y="0"/>
-                </a:lnTo>
-                <a:lnTo>
-                  <a:pt x="4964900" y="3867339"/>
-                </a:lnTo>
-                <a:lnTo>
-                  <a:pt x="0" y="3867339"/>
-                </a:lnTo>
-                <a:lnTo>
-                  <a:pt x="0" y="0"/>
-                </a:lnTo>
-                <a:close/>
-              </a:path>
-            </a:pathLst>
-          </a:custGeom>
-          <a:blipFill>
-            <a:blip r:embed="rId2">
-              <a:extLst>
-                <a:ext uri="{96DAC541-7B7A-43D3-8B79-37D633B846F1}">
-                  <asvg:svgBlip xmlns:asvg="http://schemas.microsoft.com/office/drawing/2016/SVG/main" r:embed="rId3"/>
-                </a:ext>
-              </a:extLst>
-            </a:blip>
-            <a:stretch>
-              <a:fillRect/>
-            </a:stretch>
-          </a:blipFill>
-        </p:spPr>
-        <p:txBody>
-          <a:bodyPr/>
-          <a:lstStyle/>
-          <a:p>
-            <a:endParaRPr lang="en-US"/>
-          </a:p>
-        </p:txBody>
-      </p:sp>
-      <p:sp>
-        <p:nvSpPr>
-          <p:cNvPr id="4" name="Freeform 4">
-            <a:extLst>
-              <a:ext uri="{FF2B5EF4-FFF2-40B4-BE49-F238E27FC236}">
-                <a16:creationId xmlns:a16="http://schemas.microsoft.com/office/drawing/2014/main" id="{C5E20729-16C7-10C5-BFCB-1B9F69D8ED7E}"/>
-              </a:ext>
-            </a:extLst>
-          </p:cNvPr>
-          <p:cNvSpPr/>
-          <p:nvPr/>
-        </p:nvSpPr>
-        <p:spPr>
-          <a:xfrm rot="136196">
-            <a:off x="14804899" y="4888384"/>
-            <a:ext cx="4964900" cy="3867338"/>
-          </a:xfrm>
-          <a:custGeom>
-            <a:avLst/>
-            <a:gdLst/>
-            <a:ahLst/>
-            <a:cxnLst/>
-            <a:rect l="l" t="t" r="r" b="b"/>
-            <a:pathLst>
-              <a:path w="4964900" h="3867338">
-                <a:moveTo>
-                  <a:pt x="0" y="0"/>
-                </a:moveTo>
-                <a:lnTo>
-                  <a:pt x="4964900" y="0"/>
-                </a:lnTo>
-                <a:lnTo>
-                  <a:pt x="4964900" y="3867338"/>
-                </a:lnTo>
-                <a:lnTo>
-                  <a:pt x="0" y="3867338"/>
-                </a:lnTo>
-                <a:lnTo>
-                  <a:pt x="0" y="0"/>
-                </a:lnTo>
-                <a:close/>
-              </a:path>
-            </a:pathLst>
-          </a:custGeom>
-          <a:blipFill>
-            <a:blip r:embed="rId2">
-              <a:extLst>
-                <a:ext uri="{96DAC541-7B7A-43D3-8B79-37D633B846F1}">
-                  <asvg:svgBlip xmlns:asvg="http://schemas.microsoft.com/office/drawing/2016/SVG/main" r:embed="rId3"/>
-                </a:ext>
-              </a:extLst>
-            </a:blip>
-            <a:stretch>
-              <a:fillRect/>
-            </a:stretch>
-          </a:blipFill>
-        </p:spPr>
-        <p:txBody>
-          <a:bodyPr/>
-          <a:lstStyle/>
-          <a:p>
-            <a:endParaRPr lang="en-US"/>
-          </a:p>
-        </p:txBody>
-      </p:sp>
-      <p:sp>
-        <p:nvSpPr>
-          <p:cNvPr id="5" name="Freeform 5">
-            <a:extLst>
-              <a:ext uri="{FF2B5EF4-FFF2-40B4-BE49-F238E27FC236}">
-                <a16:creationId xmlns:a16="http://schemas.microsoft.com/office/drawing/2014/main" id="{A859950C-AED8-4BBD-5339-0279E2027EBA}"/>
-              </a:ext>
-            </a:extLst>
-          </p:cNvPr>
-          <p:cNvSpPr/>
-          <p:nvPr/>
-        </p:nvSpPr>
-        <p:spPr>
-          <a:xfrm rot="136196">
-            <a:off x="15301980" y="340995"/>
-            <a:ext cx="4964900" cy="3867338"/>
-          </a:xfrm>
-          <a:custGeom>
-            <a:avLst/>
-            <a:gdLst/>
-            <a:ahLst/>
-            <a:cxnLst/>
-            <a:rect l="l" t="t" r="r" b="b"/>
-            <a:pathLst>
-              <a:path w="4964900" h="3867338">
-                <a:moveTo>
-                  <a:pt x="0" y="0"/>
-                </a:moveTo>
-                <a:lnTo>
-                  <a:pt x="4964900" y="0"/>
-                </a:lnTo>
-                <a:lnTo>
-                  <a:pt x="4964900" y="3867338"/>
-                </a:lnTo>
-                <a:lnTo>
-                  <a:pt x="0" y="3867338"/>
-                </a:lnTo>
-                <a:lnTo>
-                  <a:pt x="0" y="0"/>
-                </a:lnTo>
-                <a:close/>
-              </a:path>
-            </a:pathLst>
-          </a:custGeom>
-          <a:blipFill>
-            <a:blip r:embed="rId2">
-              <a:extLst>
-                <a:ext uri="{96DAC541-7B7A-43D3-8B79-37D633B846F1}">
-                  <asvg:svgBlip xmlns:asvg="http://schemas.microsoft.com/office/drawing/2016/SVG/main" r:embed="rId3"/>
-                </a:ext>
-              </a:extLst>
-            </a:blip>
-            <a:stretch>
-              <a:fillRect/>
-            </a:stretch>
-          </a:blipFill>
-        </p:spPr>
-        <p:txBody>
-          <a:bodyPr/>
-          <a:lstStyle/>
-          <a:p>
-            <a:endParaRPr lang="en-US"/>
-          </a:p>
-        </p:txBody>
-      </p:sp>
-      <p:sp>
-        <p:nvSpPr>
-          <p:cNvPr id="6" name="Freeform 6">
-            <a:extLst>
-              <a:ext uri="{FF2B5EF4-FFF2-40B4-BE49-F238E27FC236}">
-                <a16:creationId xmlns:a16="http://schemas.microsoft.com/office/drawing/2014/main" id="{0F3B9FA6-4D35-DADA-338F-A44AED18C5BD}"/>
-              </a:ext>
-            </a:extLst>
-          </p:cNvPr>
-          <p:cNvSpPr/>
-          <p:nvPr/>
-        </p:nvSpPr>
-        <p:spPr>
-          <a:xfrm rot="136196">
-            <a:off x="14109658" y="-2209515"/>
-            <a:ext cx="4964900" cy="3867338"/>
-          </a:xfrm>
-          <a:custGeom>
-            <a:avLst/>
-            <a:gdLst/>
-            <a:ahLst/>
-            <a:cxnLst/>
-            <a:rect l="l" t="t" r="r" b="b"/>
-            <a:pathLst>
-              <a:path w="4964900" h="3867338">
-                <a:moveTo>
-                  <a:pt x="0" y="0"/>
-                </a:moveTo>
-                <a:lnTo>
-                  <a:pt x="4964900" y="0"/>
-                </a:lnTo>
-                <a:lnTo>
-                  <a:pt x="4964900" y="3867338"/>
-                </a:lnTo>
-                <a:lnTo>
-                  <a:pt x="0" y="3867338"/>
-                </a:lnTo>
-                <a:lnTo>
-                  <a:pt x="0" y="0"/>
-                </a:lnTo>
-                <a:close/>
-              </a:path>
-            </a:pathLst>
-          </a:custGeom>
-          <a:blipFill>
-            <a:blip r:embed="rId2">
-              <a:extLst>
-                <a:ext uri="{96DAC541-7B7A-43D3-8B79-37D633B846F1}">
-                  <asvg:svgBlip xmlns:asvg="http://schemas.microsoft.com/office/drawing/2016/SVG/main" r:embed="rId3"/>
-                </a:ext>
-              </a:extLst>
-            </a:blip>
-            <a:stretch>
-              <a:fillRect/>
-            </a:stretch>
-          </a:blipFill>
-        </p:spPr>
-        <p:txBody>
-          <a:bodyPr/>
-          <a:lstStyle/>
-          <a:p>
-            <a:endParaRPr lang="en-US"/>
-          </a:p>
-        </p:txBody>
-      </p:sp>
-      <p:sp>
-        <p:nvSpPr>
-          <p:cNvPr id="10" name="TextBox 9">
-            <a:extLst>
-              <a:ext uri="{FF2B5EF4-FFF2-40B4-BE49-F238E27FC236}">
-                <a16:creationId xmlns:a16="http://schemas.microsoft.com/office/drawing/2014/main" id="{4B08A5E7-CA91-6FD1-1B12-C465BCF4B919}"/>
-              </a:ext>
-            </a:extLst>
-          </p:cNvPr>
-          <p:cNvSpPr txBox="1"/>
-          <p:nvPr/>
-        </p:nvSpPr>
-        <p:spPr>
-          <a:xfrm>
-            <a:off x="1066800" y="800523"/>
-            <a:ext cx="9993084" cy="954107"/>
-          </a:xfrm>
-          <a:prstGeom prst="rect">
-            <a:avLst/>
-          </a:prstGeom>
-          <a:noFill/>
-        </p:spPr>
-        <p:txBody>
-          <a:bodyPr wrap="square">
-            <a:spAutoFit/>
-          </a:bodyPr>
-          <a:lstStyle/>
-          <a:p>
-            <a:pPr algn="l"/>
-            <a:r>
-              <a:rPr lang="en-US" sz="5400" b="1" i="0" dirty="0">
-                <a:solidFill>
-                  <a:srgbClr val="444444"/>
-                </a:solidFill>
-                <a:effectLst/>
-                <a:latin typeface="Bluetea" pitchFamily="50" charset="0"/>
-              </a:rPr>
-              <a:t>Applicability</a:t>
-            </a:r>
-          </a:p>
-        </p:txBody>
-      </p:sp>
-      <p:sp>
-        <p:nvSpPr>
-          <p:cNvPr id="15" name="TextBox 14">
-            <a:extLst>
-              <a:ext uri="{FF2B5EF4-FFF2-40B4-BE49-F238E27FC236}">
-                <a16:creationId xmlns:a16="http://schemas.microsoft.com/office/drawing/2014/main" id="{8FADB81A-A318-0D3B-7B14-678CDDCF0242}"/>
-              </a:ext>
-            </a:extLst>
-          </p:cNvPr>
-          <p:cNvSpPr txBox="1"/>
-          <p:nvPr/>
-        </p:nvSpPr>
-        <p:spPr>
-          <a:xfrm>
-            <a:off x="1148442" y="1734673"/>
-            <a:ext cx="13119284" cy="7109639"/>
-          </a:xfrm>
-          <a:prstGeom prst="rect">
-            <a:avLst/>
-          </a:prstGeom>
-          <a:noFill/>
-        </p:spPr>
-        <p:txBody>
-          <a:bodyPr wrap="square">
-            <a:spAutoFit/>
-          </a:bodyPr>
-          <a:lstStyle/>
-          <a:p>
-            <a:pPr marL="342900" indent="-342900" algn="l">
-              <a:buFont typeface="Wingdings" panose="05000000000000000000" pitchFamily="2" charset="2"/>
-              <a:buChar char="Ø"/>
-            </a:pPr>
-            <a:r>
-              <a:rPr lang="en-US" sz="2400" i="0" dirty="0">
-                <a:solidFill>
-                  <a:schemeClr val="tx1">
-                    <a:lumMod val="65000"/>
-                    <a:lumOff val="35000"/>
-                  </a:schemeClr>
-                </a:solidFill>
-                <a:effectLst/>
-                <a:latin typeface="PT Sans" panose="020B0503020203020204" pitchFamily="34" charset="0"/>
-              </a:rPr>
-              <a:t> Use the State pattern when you have an object that behaves differently depending on its current state, the number of states is enormous, and the state-specific code changes frequently.</a:t>
-            </a:r>
-          </a:p>
-          <a:p>
-            <a:pPr algn="l"/>
-            <a:endParaRPr lang="en-US" sz="2400" i="0" dirty="0">
-              <a:solidFill>
-                <a:schemeClr val="tx1">
-                  <a:lumMod val="65000"/>
-                  <a:lumOff val="35000"/>
-                </a:schemeClr>
-              </a:solidFill>
-              <a:effectLst/>
-              <a:latin typeface="PT Sans" panose="020B0503020203020204" pitchFamily="34" charset="0"/>
-            </a:endParaRPr>
-          </a:p>
-          <a:p>
-            <a:pPr marL="342900" indent="-342900" algn="l">
-              <a:buFont typeface="Wingdings" panose="05000000000000000000" pitchFamily="2" charset="2"/>
-              <a:buChar char="Ø"/>
-            </a:pPr>
-            <a:r>
-              <a:rPr lang="en-US" sz="2400" i="0" dirty="0">
-                <a:solidFill>
-                  <a:schemeClr val="tx1">
-                    <a:lumMod val="65000"/>
-                    <a:lumOff val="35000"/>
-                  </a:schemeClr>
-                </a:solidFill>
-                <a:effectLst/>
-                <a:latin typeface="PT Sans" panose="020B0503020203020204" pitchFamily="34" charset="0"/>
-              </a:rPr>
-              <a:t>The pattern suggests that you extract all state-specific code into a set of distinct classes. As a result, you can add new states or change existing ones independently of each other, reducing the maintenance cost.</a:t>
-            </a:r>
-          </a:p>
-          <a:p>
-            <a:pPr marL="342900" indent="-342900" algn="l">
-              <a:buFont typeface="Wingdings" panose="05000000000000000000" pitchFamily="2" charset="2"/>
-              <a:buChar char="Ø"/>
-            </a:pPr>
-            <a:endParaRPr lang="en-US" sz="2400" dirty="0">
-              <a:solidFill>
-                <a:schemeClr val="tx1">
-                  <a:lumMod val="65000"/>
-                  <a:lumOff val="35000"/>
-                </a:schemeClr>
-              </a:solidFill>
-              <a:latin typeface="PT Sans" panose="020B0503020203020204" pitchFamily="34" charset="0"/>
-            </a:endParaRPr>
-          </a:p>
-          <a:p>
-            <a:pPr marL="342900" indent="-342900" algn="l">
-              <a:buFont typeface="Wingdings" panose="05000000000000000000" pitchFamily="2" charset="2"/>
-              <a:buChar char="Ø"/>
-            </a:pPr>
-            <a:r>
-              <a:rPr lang="en-US" sz="2400" i="0" dirty="0">
-                <a:solidFill>
-                  <a:schemeClr val="tx1">
-                    <a:lumMod val="65000"/>
-                    <a:lumOff val="35000"/>
-                  </a:schemeClr>
-                </a:solidFill>
-                <a:effectLst/>
-                <a:latin typeface="PT Sans" panose="020B0503020203020204" pitchFamily="34" charset="0"/>
-              </a:rPr>
-              <a:t>Use the pattern when you have a class polluted with massive conditionals that alter how the class behaves according to the current values of the class’s fields.</a:t>
-            </a:r>
-          </a:p>
-          <a:p>
-            <a:pPr marL="342900" indent="-342900" algn="l">
-              <a:buFont typeface="Wingdings" panose="05000000000000000000" pitchFamily="2" charset="2"/>
-              <a:buChar char="Ø"/>
-            </a:pPr>
-            <a:endParaRPr lang="en-US" sz="2400" dirty="0">
-              <a:solidFill>
-                <a:schemeClr val="tx1">
-                  <a:lumMod val="65000"/>
-                  <a:lumOff val="35000"/>
-                </a:schemeClr>
-              </a:solidFill>
-              <a:latin typeface="PT Sans" panose="020B0503020203020204" pitchFamily="34" charset="0"/>
-            </a:endParaRPr>
-          </a:p>
-          <a:p>
-            <a:pPr marL="342900" indent="-342900" algn="l">
-              <a:buFont typeface="Wingdings" panose="05000000000000000000" pitchFamily="2" charset="2"/>
-              <a:buChar char="Ø"/>
-            </a:pPr>
-            <a:r>
-              <a:rPr lang="en-US" sz="2400" i="0" dirty="0">
-                <a:solidFill>
-                  <a:schemeClr val="tx1">
-                    <a:lumMod val="65000"/>
-                    <a:lumOff val="35000"/>
-                  </a:schemeClr>
-                </a:solidFill>
-                <a:effectLst/>
-                <a:latin typeface="PT Sans" panose="020B0503020203020204" pitchFamily="34" charset="0"/>
-              </a:rPr>
-              <a:t>The State pattern lets you extract branches of these conditionals into methods of corresponding state classes. While doing so, you can also clean temporary fields and helper methods involved in state-specific code out of your main class.</a:t>
-            </a:r>
-          </a:p>
-          <a:p>
-            <a:pPr algn="l"/>
-            <a:endParaRPr lang="en-US" sz="2400" dirty="0">
-              <a:solidFill>
-                <a:schemeClr val="tx1">
-                  <a:lumMod val="65000"/>
-                  <a:lumOff val="35000"/>
-                </a:schemeClr>
-              </a:solidFill>
-              <a:latin typeface="PT Sans" panose="020B0503020203020204" pitchFamily="34" charset="0"/>
-            </a:endParaRPr>
-          </a:p>
-          <a:p>
-            <a:pPr marL="342900" indent="-342900" algn="l">
-              <a:buFont typeface="Wingdings" panose="05000000000000000000" pitchFamily="2" charset="2"/>
-              <a:buChar char="Ø"/>
-            </a:pPr>
-            <a:r>
-              <a:rPr lang="en-US" sz="2400" i="0" dirty="0">
-                <a:solidFill>
-                  <a:schemeClr val="tx1">
-                    <a:lumMod val="65000"/>
-                    <a:lumOff val="35000"/>
-                  </a:schemeClr>
-                </a:solidFill>
-                <a:effectLst/>
-                <a:latin typeface="PT Sans" panose="020B0503020203020204" pitchFamily="34" charset="0"/>
-              </a:rPr>
-              <a:t>Use State when you have a lot of duplicate code across similar states and transitions of a condition-based state machine.</a:t>
-            </a:r>
-          </a:p>
-          <a:p>
-            <a:pPr algn="l"/>
-            <a:endParaRPr lang="en-US" sz="2400" i="0" dirty="0">
-              <a:solidFill>
-                <a:schemeClr val="tx1">
-                  <a:lumMod val="65000"/>
-                  <a:lumOff val="35000"/>
-                </a:schemeClr>
-              </a:solidFill>
-              <a:effectLst/>
-              <a:latin typeface="PT Sans" panose="020B0503020203020204" pitchFamily="34" charset="0"/>
-            </a:endParaRPr>
-          </a:p>
-          <a:p>
-            <a:pPr marL="342900" indent="-342900" algn="l">
-              <a:buFont typeface="Wingdings" panose="05000000000000000000" pitchFamily="2" charset="2"/>
-              <a:buChar char="Ø"/>
-            </a:pPr>
-            <a:r>
-              <a:rPr lang="en-US" sz="2400" i="0" dirty="0">
-                <a:solidFill>
-                  <a:schemeClr val="tx1">
-                    <a:lumMod val="65000"/>
-                    <a:lumOff val="35000"/>
-                  </a:schemeClr>
-                </a:solidFill>
-                <a:effectLst/>
-                <a:latin typeface="PT Sans" panose="020B0503020203020204" pitchFamily="34" charset="0"/>
-              </a:rPr>
-              <a:t>The State pattern lets you compose hierarchies of state classes and reduce duplication by extracting common code into abstract base classes.</a:t>
-            </a:r>
-          </a:p>
-        </p:txBody>
-      </p:sp>
-    </p:spTree>
-    <p:extLst>
-      <p:ext uri="{BB962C8B-B14F-4D97-AF65-F5344CB8AC3E}">
-        <p14:creationId xmlns:p14="http://schemas.microsoft.com/office/powerpoint/2010/main" val="431113610"/>
       </p:ext>
     </p:extLst>
   </p:cSld>
@@ -5819,7 +5991,7 @@
         </p:nvSpPr>
         <p:spPr>
           <a:xfrm rot="136196">
-            <a:off x="13507136" y="7525792"/>
+            <a:off x="14249034" y="7525792"/>
             <a:ext cx="6381430" cy="4970724"/>
           </a:xfrm>
           <a:custGeom>
@@ -5884,7 +6056,7 @@
         </p:nvSpPr>
         <p:spPr>
           <a:xfrm rot="136196">
-            <a:off x="14215401" y="2857908"/>
+            <a:off x="14957299" y="2857908"/>
             <a:ext cx="4964900" cy="3867338"/>
           </a:xfrm>
           <a:custGeom>
@@ -5949,7 +6121,7 @@
         </p:nvSpPr>
         <p:spPr>
           <a:xfrm rot="136196">
-            <a:off x="14215401" y="4888384"/>
+            <a:off x="14957299" y="4888384"/>
             <a:ext cx="4964900" cy="3867338"/>
           </a:xfrm>
           <a:custGeom>
@@ -6014,7 +6186,7 @@
         </p:nvSpPr>
         <p:spPr>
           <a:xfrm rot="136196">
-            <a:off x="14712482" y="340995"/>
+            <a:off x="15454380" y="340995"/>
             <a:ext cx="4964900" cy="3867338"/>
           </a:xfrm>
           <a:custGeom>
@@ -6079,7 +6251,7 @@
         </p:nvSpPr>
         <p:spPr>
           <a:xfrm rot="136196">
-            <a:off x="13520160" y="-2209515"/>
+            <a:off x="14262058" y="-2209515"/>
             <a:ext cx="4964900" cy="3867338"/>
           </a:xfrm>
           <a:custGeom>
@@ -6132,6 +6304,482 @@
       </p:sp>
       <p:sp>
         <p:nvSpPr>
+          <p:cNvPr id="20" name="TextBox 19">
+            <a:extLst>
+              <a:ext uri="{FF2B5EF4-FFF2-40B4-BE49-F238E27FC236}">
+                <a16:creationId xmlns:a16="http://schemas.microsoft.com/office/drawing/2014/main" id="{D2A906C7-6C99-D305-1089-1F9D6A512A36}"/>
+              </a:ext>
+            </a:extLst>
+          </p:cNvPr>
+          <p:cNvSpPr txBox="1"/>
+          <p:nvPr/>
+        </p:nvSpPr>
+        <p:spPr>
+          <a:xfrm>
+            <a:off x="1143000" y="647700"/>
+            <a:ext cx="9993084" cy="954107"/>
+          </a:xfrm>
+          <a:prstGeom prst="rect">
+            <a:avLst/>
+          </a:prstGeom>
+          <a:noFill/>
+        </p:spPr>
+        <p:txBody>
+          <a:bodyPr wrap="square">
+            <a:spAutoFit/>
+          </a:bodyPr>
+          <a:lstStyle/>
+          <a:p>
+            <a:pPr algn="l"/>
+            <a:r>
+              <a:rPr lang="en-US" sz="5400" b="1" i="0" dirty="0">
+                <a:solidFill>
+                  <a:srgbClr val="444444"/>
+                </a:solidFill>
+                <a:effectLst/>
+                <a:latin typeface="Bluetea" pitchFamily="50" charset="0"/>
+              </a:rPr>
+              <a:t>Real world analogy</a:t>
+            </a:r>
+          </a:p>
+        </p:txBody>
+      </p:sp>
+      <p:sp>
+        <p:nvSpPr>
+          <p:cNvPr id="7" name="TextBox 6">
+            <a:extLst>
+              <a:ext uri="{FF2B5EF4-FFF2-40B4-BE49-F238E27FC236}">
+                <a16:creationId xmlns:a16="http://schemas.microsoft.com/office/drawing/2014/main" id="{8766A667-5D85-739F-B354-E972D00F14CA}"/>
+              </a:ext>
+            </a:extLst>
+          </p:cNvPr>
+          <p:cNvSpPr txBox="1"/>
+          <p:nvPr/>
+        </p:nvSpPr>
+        <p:spPr>
+          <a:xfrm>
+            <a:off x="1522346" y="1680460"/>
+            <a:ext cx="8681358" cy="2677656"/>
+          </a:xfrm>
+          <a:prstGeom prst="rect">
+            <a:avLst/>
+          </a:prstGeom>
+          <a:noFill/>
+        </p:spPr>
+        <p:txBody>
+          <a:bodyPr wrap="square">
+            <a:spAutoFit/>
+          </a:bodyPr>
+          <a:lstStyle/>
+          <a:p>
+            <a:pPr marL="342900" indent="-342900">
+              <a:buFont typeface="Wingdings" panose="05000000000000000000" pitchFamily="2" charset="2"/>
+              <a:buChar char="ü"/>
+            </a:pPr>
+            <a:r>
+              <a:rPr lang="en-US" sz="2400" b="0" i="0" dirty="0">
+                <a:solidFill>
+                  <a:srgbClr val="000000"/>
+                </a:solidFill>
+                <a:effectLst/>
+                <a:latin typeface="PT Sans" panose="020B0503020203020204" pitchFamily="34" charset="0"/>
+              </a:rPr>
+              <a:t>behavior of a package changes based on its delivery state. Example : Package is in the ordered state. Package is in the shipped state. Package is in the destination state.</a:t>
+            </a:r>
+          </a:p>
+          <a:p>
+            <a:endParaRPr lang="en-US" sz="2400" b="0" i="0" dirty="0">
+              <a:solidFill>
+                <a:srgbClr val="000000"/>
+              </a:solidFill>
+              <a:effectLst/>
+              <a:latin typeface="PT Sans" panose="020B0503020203020204" pitchFamily="34" charset="0"/>
+            </a:endParaRPr>
+          </a:p>
+          <a:p>
+            <a:pPr marL="342900" indent="-342900">
+              <a:buFont typeface="Wingdings" panose="05000000000000000000" pitchFamily="2" charset="2"/>
+              <a:buChar char="ü"/>
+            </a:pPr>
+            <a:r>
+              <a:rPr lang="en-US" sz="2400" b="0" i="0" dirty="0">
+                <a:solidFill>
+                  <a:srgbClr val="000000"/>
+                </a:solidFill>
+                <a:effectLst/>
+                <a:latin typeface="PT Sans" panose="020B0503020203020204" pitchFamily="34" charset="0"/>
+              </a:rPr>
+              <a:t>behavior of a game changes based on its game status state. Example : Game is in the waiting state. Game is in the playing state. Game is in the game over state.</a:t>
+            </a:r>
+            <a:endParaRPr lang="en-US" sz="2400" b="1" dirty="0">
+              <a:solidFill>
+                <a:schemeClr val="tx1">
+                  <a:lumMod val="65000"/>
+                  <a:lumOff val="35000"/>
+                </a:schemeClr>
+              </a:solidFill>
+              <a:latin typeface="PT Sans" panose="020B0503020203020204" pitchFamily="34" charset="0"/>
+            </a:endParaRPr>
+          </a:p>
+        </p:txBody>
+      </p:sp>
+    </p:spTree>
+    <p:extLst>
+      <p:ext uri="{BB962C8B-B14F-4D97-AF65-F5344CB8AC3E}">
+        <p14:creationId xmlns:p14="http://schemas.microsoft.com/office/powerpoint/2010/main" val="97579318"/>
+      </p:ext>
+    </p:extLst>
+  </p:cSld>
+  <p:clrMapOvr>
+    <a:masterClrMapping/>
+  </p:clrMapOvr>
+</p:sld>
+</file>
+
+<file path=ppt/slides/slide7.xml><?xml version="1.0" encoding="utf-8"?>
+<p:sld xmlns:a="http://schemas.openxmlformats.org/drawingml/2006/main" xmlns:r="http://schemas.openxmlformats.org/officeDocument/2006/relationships" xmlns:p="http://schemas.openxmlformats.org/presentationml/2006/main">
+  <p:cSld>
+    <p:spTree>
+      <p:nvGrpSpPr>
+        <p:cNvPr id="1" name=""/>
+        <p:cNvGrpSpPr/>
+        <p:nvPr/>
+      </p:nvGrpSpPr>
+      <p:grpSpPr>
+        <a:xfrm>
+          <a:off x="0" y="0"/>
+          <a:ext cx="0" cy="0"/>
+          <a:chOff x="0" y="0"/>
+          <a:chExt cx="0" cy="0"/>
+        </a:xfrm>
+      </p:grpSpPr>
+      <p:sp>
+        <p:nvSpPr>
+          <p:cNvPr id="2" name="Freeform 2">
+            <a:extLst>
+              <a:ext uri="{FF2B5EF4-FFF2-40B4-BE49-F238E27FC236}">
+                <a16:creationId xmlns:a16="http://schemas.microsoft.com/office/drawing/2014/main" id="{28046A9C-EA7C-3ADC-F01C-4315E0E469E9}"/>
+              </a:ext>
+            </a:extLst>
+          </p:cNvPr>
+          <p:cNvSpPr/>
+          <p:nvPr/>
+        </p:nvSpPr>
+        <p:spPr>
+          <a:xfrm rot="136196">
+            <a:off x="13507136" y="7525792"/>
+            <a:ext cx="6381430" cy="4970724"/>
+          </a:xfrm>
+          <a:custGeom>
+            <a:avLst/>
+            <a:gdLst/>
+            <a:ahLst/>
+            <a:cxnLst/>
+            <a:rect l="l" t="t" r="r" b="b"/>
+            <a:pathLst>
+              <a:path w="6381430" h="4970724">
+                <a:moveTo>
+                  <a:pt x="0" y="0"/>
+                </a:moveTo>
+                <a:lnTo>
+                  <a:pt x="6381430" y="0"/>
+                </a:lnTo>
+                <a:lnTo>
+                  <a:pt x="6381430" y="4970724"/>
+                </a:lnTo>
+                <a:lnTo>
+                  <a:pt x="0" y="4970724"/>
+                </a:lnTo>
+                <a:lnTo>
+                  <a:pt x="0" y="0"/>
+                </a:lnTo>
+                <a:close/>
+              </a:path>
+            </a:pathLst>
+          </a:custGeom>
+          <a:blipFill>
+            <a:blip r:embed="rId2">
+              <a:extLst>
+                <a:ext uri="{96DAC541-7B7A-43D3-8B79-37D633B846F1}">
+                  <asvg:svgBlip xmlns:asvg="http://schemas.microsoft.com/office/drawing/2016/SVG/main" r:embed="rId3"/>
+                </a:ext>
+              </a:extLst>
+            </a:blip>
+            <a:stretch>
+              <a:fillRect/>
+            </a:stretch>
+          </a:blipFill>
+        </p:spPr>
+        <p:txBody>
+          <a:bodyPr/>
+          <a:lstStyle/>
+          <a:p>
+            <a:endParaRPr lang="en-US"/>
+          </a:p>
+        </p:txBody>
+      </p:sp>
+      <p:sp>
+        <p:nvSpPr>
+          <p:cNvPr id="3" name="Freeform 3">
+            <a:extLst>
+              <a:ext uri="{FF2B5EF4-FFF2-40B4-BE49-F238E27FC236}">
+                <a16:creationId xmlns:a16="http://schemas.microsoft.com/office/drawing/2014/main" id="{9A9F68B0-1CF9-C205-3781-4667AEBF4DA5}"/>
+              </a:ext>
+            </a:extLst>
+          </p:cNvPr>
+          <p:cNvSpPr/>
+          <p:nvPr/>
+        </p:nvSpPr>
+        <p:spPr>
+          <a:xfrm rot="136196">
+            <a:off x="14215401" y="2857908"/>
+            <a:ext cx="4964900" cy="3867338"/>
+          </a:xfrm>
+          <a:custGeom>
+            <a:avLst/>
+            <a:gdLst/>
+            <a:ahLst/>
+            <a:cxnLst/>
+            <a:rect l="l" t="t" r="r" b="b"/>
+            <a:pathLst>
+              <a:path w="4964900" h="3867338">
+                <a:moveTo>
+                  <a:pt x="0" y="0"/>
+                </a:moveTo>
+                <a:lnTo>
+                  <a:pt x="4964900" y="0"/>
+                </a:lnTo>
+                <a:lnTo>
+                  <a:pt x="4964900" y="3867339"/>
+                </a:lnTo>
+                <a:lnTo>
+                  <a:pt x="0" y="3867339"/>
+                </a:lnTo>
+                <a:lnTo>
+                  <a:pt x="0" y="0"/>
+                </a:lnTo>
+                <a:close/>
+              </a:path>
+            </a:pathLst>
+          </a:custGeom>
+          <a:blipFill>
+            <a:blip r:embed="rId2">
+              <a:extLst>
+                <a:ext uri="{96DAC541-7B7A-43D3-8B79-37D633B846F1}">
+                  <asvg:svgBlip xmlns:asvg="http://schemas.microsoft.com/office/drawing/2016/SVG/main" r:embed="rId3"/>
+                </a:ext>
+              </a:extLst>
+            </a:blip>
+            <a:stretch>
+              <a:fillRect/>
+            </a:stretch>
+          </a:blipFill>
+        </p:spPr>
+        <p:txBody>
+          <a:bodyPr/>
+          <a:lstStyle/>
+          <a:p>
+            <a:endParaRPr lang="en-US"/>
+          </a:p>
+        </p:txBody>
+      </p:sp>
+      <p:sp>
+        <p:nvSpPr>
+          <p:cNvPr id="4" name="Freeform 4">
+            <a:extLst>
+              <a:ext uri="{FF2B5EF4-FFF2-40B4-BE49-F238E27FC236}">
+                <a16:creationId xmlns:a16="http://schemas.microsoft.com/office/drawing/2014/main" id="{C5E20729-16C7-10C5-BFCB-1B9F69D8ED7E}"/>
+              </a:ext>
+            </a:extLst>
+          </p:cNvPr>
+          <p:cNvSpPr/>
+          <p:nvPr/>
+        </p:nvSpPr>
+        <p:spPr>
+          <a:xfrm rot="136196">
+            <a:off x="14215401" y="4888384"/>
+            <a:ext cx="4964900" cy="3867338"/>
+          </a:xfrm>
+          <a:custGeom>
+            <a:avLst/>
+            <a:gdLst/>
+            <a:ahLst/>
+            <a:cxnLst/>
+            <a:rect l="l" t="t" r="r" b="b"/>
+            <a:pathLst>
+              <a:path w="4964900" h="3867338">
+                <a:moveTo>
+                  <a:pt x="0" y="0"/>
+                </a:moveTo>
+                <a:lnTo>
+                  <a:pt x="4964900" y="0"/>
+                </a:lnTo>
+                <a:lnTo>
+                  <a:pt x="4964900" y="3867338"/>
+                </a:lnTo>
+                <a:lnTo>
+                  <a:pt x="0" y="3867338"/>
+                </a:lnTo>
+                <a:lnTo>
+                  <a:pt x="0" y="0"/>
+                </a:lnTo>
+                <a:close/>
+              </a:path>
+            </a:pathLst>
+          </a:custGeom>
+          <a:blipFill>
+            <a:blip r:embed="rId2">
+              <a:extLst>
+                <a:ext uri="{96DAC541-7B7A-43D3-8B79-37D633B846F1}">
+                  <asvg:svgBlip xmlns:asvg="http://schemas.microsoft.com/office/drawing/2016/SVG/main" r:embed="rId3"/>
+                </a:ext>
+              </a:extLst>
+            </a:blip>
+            <a:stretch>
+              <a:fillRect/>
+            </a:stretch>
+          </a:blipFill>
+        </p:spPr>
+        <p:txBody>
+          <a:bodyPr/>
+          <a:lstStyle/>
+          <a:p>
+            <a:endParaRPr lang="en-US"/>
+          </a:p>
+        </p:txBody>
+      </p:sp>
+      <p:sp>
+        <p:nvSpPr>
+          <p:cNvPr id="5" name="Freeform 5">
+            <a:extLst>
+              <a:ext uri="{FF2B5EF4-FFF2-40B4-BE49-F238E27FC236}">
+                <a16:creationId xmlns:a16="http://schemas.microsoft.com/office/drawing/2014/main" id="{A859950C-AED8-4BBD-5339-0279E2027EBA}"/>
+              </a:ext>
+            </a:extLst>
+          </p:cNvPr>
+          <p:cNvSpPr/>
+          <p:nvPr/>
+        </p:nvSpPr>
+        <p:spPr>
+          <a:xfrm rot="136196">
+            <a:off x="14712482" y="340995"/>
+            <a:ext cx="4964900" cy="3867338"/>
+          </a:xfrm>
+          <a:custGeom>
+            <a:avLst/>
+            <a:gdLst/>
+            <a:ahLst/>
+            <a:cxnLst/>
+            <a:rect l="l" t="t" r="r" b="b"/>
+            <a:pathLst>
+              <a:path w="4964900" h="3867338">
+                <a:moveTo>
+                  <a:pt x="0" y="0"/>
+                </a:moveTo>
+                <a:lnTo>
+                  <a:pt x="4964900" y="0"/>
+                </a:lnTo>
+                <a:lnTo>
+                  <a:pt x="4964900" y="3867338"/>
+                </a:lnTo>
+                <a:lnTo>
+                  <a:pt x="0" y="3867338"/>
+                </a:lnTo>
+                <a:lnTo>
+                  <a:pt x="0" y="0"/>
+                </a:lnTo>
+                <a:close/>
+              </a:path>
+            </a:pathLst>
+          </a:custGeom>
+          <a:blipFill>
+            <a:blip r:embed="rId2">
+              <a:extLst>
+                <a:ext uri="{96DAC541-7B7A-43D3-8B79-37D633B846F1}">
+                  <asvg:svgBlip xmlns:asvg="http://schemas.microsoft.com/office/drawing/2016/SVG/main" r:embed="rId3"/>
+                </a:ext>
+              </a:extLst>
+            </a:blip>
+            <a:stretch>
+              <a:fillRect/>
+            </a:stretch>
+          </a:blipFill>
+        </p:spPr>
+        <p:txBody>
+          <a:bodyPr/>
+          <a:lstStyle/>
+          <a:p>
+            <a:endParaRPr lang="en-US"/>
+          </a:p>
+        </p:txBody>
+      </p:sp>
+      <p:sp>
+        <p:nvSpPr>
+          <p:cNvPr id="6" name="Freeform 6">
+            <a:extLst>
+              <a:ext uri="{FF2B5EF4-FFF2-40B4-BE49-F238E27FC236}">
+                <a16:creationId xmlns:a16="http://schemas.microsoft.com/office/drawing/2014/main" id="{0F3B9FA6-4D35-DADA-338F-A44AED18C5BD}"/>
+              </a:ext>
+            </a:extLst>
+          </p:cNvPr>
+          <p:cNvSpPr/>
+          <p:nvPr/>
+        </p:nvSpPr>
+        <p:spPr>
+          <a:xfrm rot="136196">
+            <a:off x="13520160" y="-2209515"/>
+            <a:ext cx="4964900" cy="3867338"/>
+          </a:xfrm>
+          <a:custGeom>
+            <a:avLst/>
+            <a:gdLst/>
+            <a:ahLst/>
+            <a:cxnLst/>
+            <a:rect l="l" t="t" r="r" b="b"/>
+            <a:pathLst>
+              <a:path w="4964900" h="3867338">
+                <a:moveTo>
+                  <a:pt x="0" y="0"/>
+                </a:moveTo>
+                <a:lnTo>
+                  <a:pt x="4964900" y="0"/>
+                </a:lnTo>
+                <a:lnTo>
+                  <a:pt x="4964900" y="3867338"/>
+                </a:lnTo>
+                <a:lnTo>
+                  <a:pt x="0" y="3867338"/>
+                </a:lnTo>
+                <a:lnTo>
+                  <a:pt x="0" y="0"/>
+                </a:lnTo>
+                <a:close/>
+              </a:path>
+            </a:pathLst>
+          </a:custGeom>
+          <a:blipFill>
+            <a:blip r:embed="rId2">
+              <a:extLst>
+                <a:ext uri="{96DAC541-7B7A-43D3-8B79-37D633B846F1}">
+                  <asvg:svgBlip xmlns:asvg="http://schemas.microsoft.com/office/drawing/2016/SVG/main" r:embed="rId3"/>
+                </a:ext>
+              </a:extLst>
+            </a:blip>
+            <a:stretch>
+              <a:fillRect/>
+            </a:stretch>
+          </a:blipFill>
+        </p:spPr>
+        <p:txBody>
+          <a:bodyPr/>
+          <a:lstStyle/>
+          <a:p>
+            <a:endParaRPr lang="en-US"/>
+          </a:p>
+        </p:txBody>
+      </p:sp>
+      <p:sp>
+        <p:nvSpPr>
           <p:cNvPr id="10" name="TextBox 9">
             <a:extLst>
               <a:ext uri="{FF2B5EF4-FFF2-40B4-BE49-F238E27FC236}">
@@ -6189,7 +6837,7 @@
         <p:spPr>
           <a:xfrm>
             <a:off x="1899558" y="1835408"/>
-            <a:ext cx="8681358" cy="4832092"/>
+            <a:ext cx="8681358" cy="4154984"/>
           </a:xfrm>
           <a:prstGeom prst="rect">
             <a:avLst/>
@@ -6207,7 +6855,7 @@
               <a:buChar char="ü"/>
             </a:pPr>
             <a:r>
-              <a:rPr lang="en-US" sz="2800" b="1" dirty="0">
+              <a:rPr lang="en-US" sz="2400" b="1" dirty="0">
                 <a:solidFill>
                   <a:schemeClr val="tx1">
                     <a:lumMod val="65000"/>
@@ -6219,7 +6867,7 @@
             </a:r>
           </a:p>
           <a:p>
-            <a:endParaRPr lang="en-US" sz="2800" b="1" dirty="0">
+            <a:endParaRPr lang="en-US" sz="2400" b="1" dirty="0">
               <a:solidFill>
                 <a:schemeClr val="tx1">
                   <a:lumMod val="65000"/>
@@ -6234,7 +6882,7 @@
               <a:buChar char="ü"/>
             </a:pPr>
             <a:r>
-              <a:rPr lang="en-US" sz="2800" b="1" dirty="0">
+              <a:rPr lang="en-US" sz="2400" b="1" dirty="0">
                 <a:solidFill>
                   <a:schemeClr val="tx1">
                     <a:lumMod val="65000"/>
@@ -6246,7 +6894,7 @@
             </a:r>
           </a:p>
           <a:p>
-            <a:endParaRPr lang="en-US" sz="2800" b="1" dirty="0">
+            <a:endParaRPr lang="en-US" sz="2400" b="1" dirty="0">
               <a:solidFill>
                 <a:schemeClr val="tx1">
                   <a:lumMod val="65000"/>
@@ -6261,7 +6909,7 @@
               <a:buChar char="ü"/>
             </a:pPr>
             <a:r>
-              <a:rPr lang="en-US" sz="2800" b="1" dirty="0">
+              <a:rPr lang="en-US" sz="2400" b="1" dirty="0">
                 <a:solidFill>
                   <a:schemeClr val="tx1">
                     <a:lumMod val="65000"/>
@@ -6273,7 +6921,7 @@
             </a:r>
           </a:p>
           <a:p>
-            <a:endParaRPr lang="en-US" sz="2800" b="1" dirty="0">
+            <a:endParaRPr lang="en-US" sz="2400" b="1" dirty="0">
               <a:solidFill>
                 <a:schemeClr val="tx1">
                   <a:lumMod val="65000"/>
@@ -6288,7 +6936,7 @@
               <a:buChar char="×"/>
             </a:pPr>
             <a:r>
-              <a:rPr lang="en-US" sz="2800" b="1" dirty="0">
+              <a:rPr lang="en-US" sz="2400" b="1" dirty="0">
                 <a:solidFill>
                   <a:schemeClr val="tx1">
                     <a:lumMod val="65000"/>
@@ -6298,6 +6946,100 @@
               </a:rPr>
               <a:t>Applying the pattern can be overkill if a state machine has only a few states or rarely changes.</a:t>
             </a:r>
+          </a:p>
+        </p:txBody>
+      </p:sp>
+      <p:sp>
+        <p:nvSpPr>
+          <p:cNvPr id="7" name="TextBox 6">
+            <a:extLst>
+              <a:ext uri="{FF2B5EF4-FFF2-40B4-BE49-F238E27FC236}">
+                <a16:creationId xmlns:a16="http://schemas.microsoft.com/office/drawing/2014/main" id="{74F66FCA-ECAE-798E-9703-E69A63ADCD25}"/>
+              </a:ext>
+            </a:extLst>
+          </p:cNvPr>
+          <p:cNvSpPr txBox="1"/>
+          <p:nvPr/>
+        </p:nvSpPr>
+        <p:spPr>
+          <a:xfrm>
+            <a:off x="1817916" y="6467216"/>
+            <a:ext cx="9993084" cy="923330"/>
+          </a:xfrm>
+          <a:prstGeom prst="rect">
+            <a:avLst/>
+          </a:prstGeom>
+          <a:noFill/>
+        </p:spPr>
+        <p:txBody>
+          <a:bodyPr wrap="square">
+            <a:spAutoFit/>
+          </a:bodyPr>
+          <a:lstStyle/>
+          <a:p>
+            <a:r>
+              <a:rPr lang="en-US" sz="5400" b="1" dirty="0">
+                <a:latin typeface="Bluetea" pitchFamily="50" charset="0"/>
+              </a:rPr>
+              <a:t>Conclusion</a:t>
+            </a:r>
+            <a:endParaRPr lang="en-US" sz="5400" b="1" i="0" dirty="0">
+              <a:solidFill>
+                <a:srgbClr val="444444"/>
+              </a:solidFill>
+              <a:effectLst/>
+              <a:latin typeface="Bluetea" pitchFamily="50" charset="0"/>
+            </a:endParaRPr>
+          </a:p>
+        </p:txBody>
+      </p:sp>
+      <p:sp>
+        <p:nvSpPr>
+          <p:cNvPr id="8" name="TextBox 7">
+            <a:extLst>
+              <a:ext uri="{FF2B5EF4-FFF2-40B4-BE49-F238E27FC236}">
+                <a16:creationId xmlns:a16="http://schemas.microsoft.com/office/drawing/2014/main" id="{6EB048C6-3726-FF9A-0311-3E6B50A681B9}"/>
+              </a:ext>
+            </a:extLst>
+          </p:cNvPr>
+          <p:cNvSpPr txBox="1"/>
+          <p:nvPr/>
+        </p:nvSpPr>
+        <p:spPr>
+          <a:xfrm>
+            <a:off x="1899558" y="7401366"/>
+            <a:ext cx="8681358" cy="1200329"/>
+          </a:xfrm>
+          <a:prstGeom prst="rect">
+            <a:avLst/>
+          </a:prstGeom>
+          <a:noFill/>
+        </p:spPr>
+        <p:txBody>
+          <a:bodyPr wrap="square">
+            <a:spAutoFit/>
+          </a:bodyPr>
+          <a:lstStyle/>
+          <a:p>
+            <a:r>
+              <a:rPr lang="en-US" sz="2400" b="0" i="0" dirty="0">
+                <a:solidFill>
+                  <a:srgbClr val="374151"/>
+                </a:solidFill>
+                <a:effectLst/>
+                <a:latin typeface="PT Sans" panose="020B0503020203020204" pitchFamily="34" charset="0"/>
+              </a:rPr>
+              <a:t>The State design pattern provides an elegant way to manage state-specific behaviors and enables objects to adapt their behavior dynamically.</a:t>
+            </a:r>
+            <a:endParaRPr lang="en-US" sz="2400" b="1" dirty="0">
+              <a:solidFill>
+                <a:schemeClr val="tx1">
+                  <a:lumMod val="65000"/>
+                  <a:lumOff val="35000"/>
+                </a:schemeClr>
+              </a:solidFill>
+              <a:latin typeface="PT Sans" panose="020B0503020203020204" pitchFamily="34" charset="0"/>
+            </a:endParaRPr>
           </a:p>
         </p:txBody>
       </p:sp>
